--- a/Deliverable2/Gym Modernization_ Deliverable II.pptx
+++ b/Deliverable2/Gym Modernization_ Deliverable II.pptx
@@ -22,34 +22,37 @@
     <p:sldId id="267" r:id="rId16"/>
     <p:sldId id="268" r:id="rId17"/>
     <p:sldId id="269" r:id="rId18"/>
+    <p:sldId id="270" r:id="rId19"/>
+    <p:sldId id="271" r:id="rId20"/>
+    <p:sldId id="272" r:id="rId21"/>
   </p:sldIdLst>
   <p:sldSz cy="5143500" cx="9144000"/>
   <p:notesSz cx="6858000" cy="9144000"/>
   <p:embeddedFontLst>
     <p:embeddedFont>
       <p:font typeface="Proxima Nova"/>
-      <p:regular r:id="rId19"/>
-      <p:bold r:id="rId20"/>
-      <p:italic r:id="rId21"/>
-      <p:boldItalic r:id="rId22"/>
+      <p:regular r:id="rId22"/>
+      <p:bold r:id="rId23"/>
+      <p:italic r:id="rId24"/>
+      <p:boldItalic r:id="rId25"/>
     </p:embeddedFont>
     <p:embeddedFont>
       <p:font typeface="Montserrat"/>
-      <p:regular r:id="rId23"/>
-      <p:bold r:id="rId24"/>
-      <p:italic r:id="rId25"/>
-      <p:boldItalic r:id="rId26"/>
+      <p:regular r:id="rId26"/>
+      <p:bold r:id="rId27"/>
+      <p:italic r:id="rId28"/>
+      <p:boldItalic r:id="rId29"/>
     </p:embeddedFont>
     <p:embeddedFont>
       <p:font typeface="Lato"/>
-      <p:regular r:id="rId27"/>
-      <p:bold r:id="rId28"/>
-      <p:italic r:id="rId29"/>
-      <p:boldItalic r:id="rId30"/>
+      <p:regular r:id="rId30"/>
+      <p:bold r:id="rId31"/>
+      <p:italic r:id="rId32"/>
+      <p:boldItalic r:id="rId33"/>
     </p:embeddedFont>
     <p:embeddedFont>
       <p:font typeface="Bree Serif"/>
-      <p:regular r:id="rId31"/>
+      <p:regular r:id="rId34"/>
     </p:embeddedFont>
   </p:embeddedFontLst>
   <p:defaultTextStyle>
@@ -810,7 +813,7 @@
   <p:cSld>
     <p:spTree>
       <p:nvGrpSpPr>
-        <p:cNvPr id="182" name="Shape 182"/>
+        <p:cNvPr id="181" name="Shape 181"/>
         <p:cNvGrpSpPr/>
         <p:nvPr/>
       </p:nvGrpSpPr>
@@ -824,7 +827,7 @@
       </p:grpSpPr>
       <p:sp>
         <p:nvSpPr>
-          <p:cNvPr id="183" name="Shape 183"/>
+          <p:cNvPr id="182" name="Shape 182"/>
           <p:cNvSpPr/>
           <p:nvPr>
             <p:ph idx="2" type="sldImg"/>
@@ -858,7 +861,7 @@
       </p:sp>
       <p:sp>
         <p:nvSpPr>
-          <p:cNvPr id="184" name="Shape 184"/>
+          <p:cNvPr id="183" name="Shape 183"/>
           <p:cNvSpPr txBox="1"/>
           <p:nvPr>
             <p:ph idx="1" type="body"/>
@@ -908,7 +911,7 @@
   <p:cSld>
     <p:spTree>
       <p:nvGrpSpPr>
-        <p:cNvPr id="188" name="Shape 188"/>
+        <p:cNvPr id="187" name="Shape 187"/>
         <p:cNvGrpSpPr/>
         <p:nvPr/>
       </p:nvGrpSpPr>
@@ -922,7 +925,7 @@
       </p:grpSpPr>
       <p:sp>
         <p:nvSpPr>
-          <p:cNvPr id="189" name="Shape 189"/>
+          <p:cNvPr id="188" name="Shape 188"/>
           <p:cNvSpPr/>
           <p:nvPr>
             <p:ph idx="2" type="sldImg"/>
@@ -956,7 +959,7 @@
       </p:sp>
       <p:sp>
         <p:nvSpPr>
-          <p:cNvPr id="190" name="Shape 190"/>
+          <p:cNvPr id="189" name="Shape 189"/>
           <p:cNvSpPr txBox="1"/>
           <p:nvPr>
             <p:ph idx="1" type="body"/>
@@ -1006,7 +1009,7 @@
   <p:cSld>
     <p:spTree>
       <p:nvGrpSpPr>
-        <p:cNvPr id="194" name="Shape 194"/>
+        <p:cNvPr id="193" name="Shape 193"/>
         <p:cNvGrpSpPr/>
         <p:nvPr/>
       </p:nvGrpSpPr>
@@ -1020,7 +1023,7 @@
       </p:grpSpPr>
       <p:sp>
         <p:nvSpPr>
-          <p:cNvPr id="195" name="Shape 195"/>
+          <p:cNvPr id="194" name="Shape 194"/>
           <p:cNvSpPr/>
           <p:nvPr>
             <p:ph idx="2" type="sldImg"/>
@@ -1054,7 +1057,7 @@
       </p:sp>
       <p:sp>
         <p:nvSpPr>
-          <p:cNvPr id="196" name="Shape 196"/>
+          <p:cNvPr id="195" name="Shape 195"/>
           <p:cNvSpPr txBox="1"/>
           <p:nvPr>
             <p:ph idx="1" type="body"/>
@@ -1295,6 +1298,300 @@
 </p:notes>
 </file>
 
+<file path=ppt/notesSlides/notesSlide15.xml><?xml version="1.0" encoding="utf-8"?>
+<p:notes xmlns:a="http://schemas.openxmlformats.org/drawingml/2006/main" xmlns:r="http://schemas.openxmlformats.org/officeDocument/2006/relationships" xmlns:mc="http://schemas.openxmlformats.org/markup-compatibility/2006" xmlns:mv="urn:schemas-microsoft-com:mac:vml" xmlns:p="http://schemas.openxmlformats.org/presentationml/2006/main" xmlns:c="http://schemas.openxmlformats.org/drawingml/2006/chart" xmlns:dgm="http://schemas.openxmlformats.org/drawingml/2006/diagram" xmlns:o="urn:schemas-microsoft-com:office:office" xmlns:v="urn:schemas-microsoft-com:vml" xmlns:pvml="urn:schemas-microsoft-com:office:powerpoint" xmlns:com="http://schemas.openxmlformats.org/drawingml/2006/compatibility" xmlns:p14="http://schemas.microsoft.com/office/powerpoint/2010/main" xmlns:p15="http://schemas.microsoft.com/office/powerpoint/2012/main" showMasterPhAnim="0" showMasterSp="0">
+  <p:cSld>
+    <p:spTree>
+      <p:nvGrpSpPr>
+        <p:cNvPr id="211" name="Shape 211"/>
+        <p:cNvGrpSpPr/>
+        <p:nvPr/>
+      </p:nvGrpSpPr>
+      <p:grpSpPr>
+        <a:xfrm>
+          <a:off x="0" y="0"/>
+          <a:ext cx="0" cy="0"/>
+          <a:chOff x="0" y="0"/>
+          <a:chExt cx="0" cy="0"/>
+        </a:xfrm>
+      </p:grpSpPr>
+      <p:sp>
+        <p:nvSpPr>
+          <p:cNvPr id="212" name="Shape 212"/>
+          <p:cNvSpPr/>
+          <p:nvPr>
+            <p:ph idx="2" type="sldImg"/>
+          </p:nvPr>
+        </p:nvSpPr>
+        <p:spPr>
+          <a:xfrm>
+            <a:off x="381300" y="685800"/>
+            <a:ext cx="6096000" cy="3429000"/>
+          </a:xfrm>
+          <a:custGeom>
+            <a:pathLst>
+              <a:path extrusionOk="0" h="120000" w="120000">
+                <a:moveTo>
+                  <a:pt x="0" y="0"/>
+                </a:moveTo>
+                <a:lnTo>
+                  <a:pt x="120000" y="0"/>
+                </a:lnTo>
+                <a:lnTo>
+                  <a:pt x="120000" y="120000"/>
+                </a:lnTo>
+                <a:lnTo>
+                  <a:pt x="0" y="120000"/>
+                </a:lnTo>
+                <a:close/>
+              </a:path>
+            </a:pathLst>
+          </a:custGeom>
+        </p:spPr>
+      </p:sp>
+      <p:sp>
+        <p:nvSpPr>
+          <p:cNvPr id="213" name="Shape 213"/>
+          <p:cNvSpPr txBox="1"/>
+          <p:nvPr>
+            <p:ph idx="1" type="body"/>
+          </p:nvPr>
+        </p:nvSpPr>
+        <p:spPr>
+          <a:xfrm>
+            <a:off x="685800" y="4343400"/>
+            <a:ext cx="5486400" cy="4114800"/>
+          </a:xfrm>
+          <a:prstGeom prst="rect">
+            <a:avLst/>
+          </a:prstGeom>
+        </p:spPr>
+        <p:txBody>
+          <a:bodyPr anchorCtr="0" anchor="t" bIns="91425" lIns="91425" spcFirstLastPara="1" rIns="91425" wrap="square" tIns="91425">
+            <a:noAutofit/>
+          </a:bodyPr>
+          <a:lstStyle/>
+          <a:p>
+            <a:pPr indent="0" lvl="0" marL="0">
+              <a:spcBef>
+                <a:spcPts val="0"/>
+              </a:spcBef>
+              <a:spcAft>
+                <a:spcPts val="0"/>
+              </a:spcAft>
+              <a:buNone/>
+            </a:pPr>
+            <a:r>
+              <a:t/>
+            </a:r>
+            <a:endParaRPr/>
+          </a:p>
+        </p:txBody>
+      </p:sp>
+    </p:spTree>
+  </p:cSld>
+  <p:clrMapOvr>
+    <a:masterClrMapping/>
+  </p:clrMapOvr>
+</p:notes>
+</file>
+
+<file path=ppt/notesSlides/notesSlide16.xml><?xml version="1.0" encoding="utf-8"?>
+<p:notes xmlns:a="http://schemas.openxmlformats.org/drawingml/2006/main" xmlns:r="http://schemas.openxmlformats.org/officeDocument/2006/relationships" xmlns:mc="http://schemas.openxmlformats.org/markup-compatibility/2006" xmlns:mv="urn:schemas-microsoft-com:mac:vml" xmlns:p="http://schemas.openxmlformats.org/presentationml/2006/main" xmlns:c="http://schemas.openxmlformats.org/drawingml/2006/chart" xmlns:dgm="http://schemas.openxmlformats.org/drawingml/2006/diagram" xmlns:o="urn:schemas-microsoft-com:office:office" xmlns:v="urn:schemas-microsoft-com:vml" xmlns:pvml="urn:schemas-microsoft-com:office:powerpoint" xmlns:com="http://schemas.openxmlformats.org/drawingml/2006/compatibility" xmlns:p14="http://schemas.microsoft.com/office/powerpoint/2010/main" xmlns:p15="http://schemas.microsoft.com/office/powerpoint/2012/main" showMasterPhAnim="0" showMasterSp="0">
+  <p:cSld>
+    <p:spTree>
+      <p:nvGrpSpPr>
+        <p:cNvPr id="216" name="Shape 216"/>
+        <p:cNvGrpSpPr/>
+        <p:nvPr/>
+      </p:nvGrpSpPr>
+      <p:grpSpPr>
+        <a:xfrm>
+          <a:off x="0" y="0"/>
+          <a:ext cx="0" cy="0"/>
+          <a:chOff x="0" y="0"/>
+          <a:chExt cx="0" cy="0"/>
+        </a:xfrm>
+      </p:grpSpPr>
+      <p:sp>
+        <p:nvSpPr>
+          <p:cNvPr id="217" name="Shape 217"/>
+          <p:cNvSpPr/>
+          <p:nvPr>
+            <p:ph idx="2" type="sldImg"/>
+          </p:nvPr>
+        </p:nvSpPr>
+        <p:spPr>
+          <a:xfrm>
+            <a:off x="381300" y="685800"/>
+            <a:ext cx="6096000" cy="3429000"/>
+          </a:xfrm>
+          <a:custGeom>
+            <a:pathLst>
+              <a:path extrusionOk="0" h="120000" w="120000">
+                <a:moveTo>
+                  <a:pt x="0" y="0"/>
+                </a:moveTo>
+                <a:lnTo>
+                  <a:pt x="120000" y="0"/>
+                </a:lnTo>
+                <a:lnTo>
+                  <a:pt x="120000" y="120000"/>
+                </a:lnTo>
+                <a:lnTo>
+                  <a:pt x="0" y="120000"/>
+                </a:lnTo>
+                <a:close/>
+              </a:path>
+            </a:pathLst>
+          </a:custGeom>
+        </p:spPr>
+      </p:sp>
+      <p:sp>
+        <p:nvSpPr>
+          <p:cNvPr id="218" name="Shape 218"/>
+          <p:cNvSpPr txBox="1"/>
+          <p:nvPr>
+            <p:ph idx="1" type="body"/>
+          </p:nvPr>
+        </p:nvSpPr>
+        <p:spPr>
+          <a:xfrm>
+            <a:off x="685800" y="4343400"/>
+            <a:ext cx="5486400" cy="4114800"/>
+          </a:xfrm>
+          <a:prstGeom prst="rect">
+            <a:avLst/>
+          </a:prstGeom>
+        </p:spPr>
+        <p:txBody>
+          <a:bodyPr anchorCtr="0" anchor="t" bIns="91425" lIns="91425" spcFirstLastPara="1" rIns="91425" wrap="square" tIns="91425">
+            <a:noAutofit/>
+          </a:bodyPr>
+          <a:lstStyle/>
+          <a:p>
+            <a:pPr indent="0" lvl="0" marL="0">
+              <a:spcBef>
+                <a:spcPts val="0"/>
+              </a:spcBef>
+              <a:spcAft>
+                <a:spcPts val="0"/>
+              </a:spcAft>
+              <a:buNone/>
+            </a:pPr>
+            <a:r>
+              <a:t/>
+            </a:r>
+            <a:endParaRPr/>
+          </a:p>
+        </p:txBody>
+      </p:sp>
+    </p:spTree>
+  </p:cSld>
+  <p:clrMapOvr>
+    <a:masterClrMapping/>
+  </p:clrMapOvr>
+</p:notes>
+</file>
+
+<file path=ppt/notesSlides/notesSlide17.xml><?xml version="1.0" encoding="utf-8"?>
+<p:notes xmlns:a="http://schemas.openxmlformats.org/drawingml/2006/main" xmlns:r="http://schemas.openxmlformats.org/officeDocument/2006/relationships" xmlns:mc="http://schemas.openxmlformats.org/markup-compatibility/2006" xmlns:mv="urn:schemas-microsoft-com:mac:vml" xmlns:p="http://schemas.openxmlformats.org/presentationml/2006/main" xmlns:c="http://schemas.openxmlformats.org/drawingml/2006/chart" xmlns:dgm="http://schemas.openxmlformats.org/drawingml/2006/diagram" xmlns:o="urn:schemas-microsoft-com:office:office" xmlns:v="urn:schemas-microsoft-com:vml" xmlns:pvml="urn:schemas-microsoft-com:office:powerpoint" xmlns:com="http://schemas.openxmlformats.org/drawingml/2006/compatibility" xmlns:p14="http://schemas.microsoft.com/office/powerpoint/2010/main" xmlns:p15="http://schemas.microsoft.com/office/powerpoint/2012/main" showMasterPhAnim="0" showMasterSp="0">
+  <p:cSld>
+    <p:spTree>
+      <p:nvGrpSpPr>
+        <p:cNvPr id="222" name="Shape 222"/>
+        <p:cNvGrpSpPr/>
+        <p:nvPr/>
+      </p:nvGrpSpPr>
+      <p:grpSpPr>
+        <a:xfrm>
+          <a:off x="0" y="0"/>
+          <a:ext cx="0" cy="0"/>
+          <a:chOff x="0" y="0"/>
+          <a:chExt cx="0" cy="0"/>
+        </a:xfrm>
+      </p:grpSpPr>
+      <p:sp>
+        <p:nvSpPr>
+          <p:cNvPr id="223" name="Shape 223"/>
+          <p:cNvSpPr/>
+          <p:nvPr>
+            <p:ph idx="2" type="sldImg"/>
+          </p:nvPr>
+        </p:nvSpPr>
+        <p:spPr>
+          <a:xfrm>
+            <a:off x="381300" y="685800"/>
+            <a:ext cx="6096000" cy="3429000"/>
+          </a:xfrm>
+          <a:custGeom>
+            <a:pathLst>
+              <a:path extrusionOk="0" h="120000" w="120000">
+                <a:moveTo>
+                  <a:pt x="0" y="0"/>
+                </a:moveTo>
+                <a:lnTo>
+                  <a:pt x="120000" y="0"/>
+                </a:lnTo>
+                <a:lnTo>
+                  <a:pt x="120000" y="120000"/>
+                </a:lnTo>
+                <a:lnTo>
+                  <a:pt x="0" y="120000"/>
+                </a:lnTo>
+                <a:close/>
+              </a:path>
+            </a:pathLst>
+          </a:custGeom>
+        </p:spPr>
+      </p:sp>
+      <p:sp>
+        <p:nvSpPr>
+          <p:cNvPr id="224" name="Shape 224"/>
+          <p:cNvSpPr txBox="1"/>
+          <p:nvPr>
+            <p:ph idx="1" type="body"/>
+          </p:nvPr>
+        </p:nvSpPr>
+        <p:spPr>
+          <a:xfrm>
+            <a:off x="685800" y="4343400"/>
+            <a:ext cx="5486400" cy="4114800"/>
+          </a:xfrm>
+          <a:prstGeom prst="rect">
+            <a:avLst/>
+          </a:prstGeom>
+        </p:spPr>
+        <p:txBody>
+          <a:bodyPr anchorCtr="0" anchor="t" bIns="91425" lIns="91425" spcFirstLastPara="1" rIns="91425" wrap="square" tIns="91425">
+            <a:noAutofit/>
+          </a:bodyPr>
+          <a:lstStyle/>
+          <a:p>
+            <a:pPr indent="0" lvl="0" marL="0">
+              <a:spcBef>
+                <a:spcPts val="0"/>
+              </a:spcBef>
+              <a:spcAft>
+                <a:spcPts val="0"/>
+              </a:spcAft>
+              <a:buNone/>
+            </a:pPr>
+            <a:r>
+              <a:t/>
+            </a:r>
+            <a:endParaRPr/>
+          </a:p>
+        </p:txBody>
+      </p:sp>
+    </p:spTree>
+  </p:cSld>
+  <p:clrMapOvr>
+    <a:masterClrMapping/>
+  </p:clrMapOvr>
+</p:notes>
+</file>
+
 <file path=ppt/notesSlides/notesSlide2.xml><?xml version="1.0" encoding="utf-8"?>
 <p:notes xmlns:a="http://schemas.openxmlformats.org/drawingml/2006/main" xmlns:r="http://schemas.openxmlformats.org/officeDocument/2006/relationships" xmlns:mc="http://schemas.openxmlformats.org/markup-compatibility/2006" xmlns:mv="urn:schemas-microsoft-com:mac:vml" xmlns:p="http://schemas.openxmlformats.org/presentationml/2006/main" xmlns:c="http://schemas.openxmlformats.org/drawingml/2006/chart" xmlns:dgm="http://schemas.openxmlformats.org/drawingml/2006/diagram" xmlns:o="urn:schemas-microsoft-com:office:office" xmlns:v="urn:schemas-microsoft-com:vml" xmlns:pvml="urn:schemas-microsoft-com:office:powerpoint" xmlns:com="http://schemas.openxmlformats.org/drawingml/2006/compatibility" xmlns:p14="http://schemas.microsoft.com/office/powerpoint/2010/main" xmlns:p15="http://schemas.microsoft.com/office/powerpoint/2012/main" showMasterPhAnim="0" showMasterSp="0">
   <p:cSld>
@@ -1692,7 +1989,7 @@
   <p:cSld>
     <p:spTree>
       <p:nvGrpSpPr>
-        <p:cNvPr id="159" name="Shape 159"/>
+        <p:cNvPr id="158" name="Shape 158"/>
         <p:cNvGrpSpPr/>
         <p:nvPr/>
       </p:nvGrpSpPr>
@@ -1706,7 +2003,7 @@
       </p:grpSpPr>
       <p:sp>
         <p:nvSpPr>
-          <p:cNvPr id="160" name="Shape 160"/>
+          <p:cNvPr id="159" name="Shape 159"/>
           <p:cNvSpPr/>
           <p:nvPr>
             <p:ph idx="2" type="sldImg"/>
@@ -1740,7 +2037,7 @@
       </p:sp>
       <p:sp>
         <p:nvSpPr>
-          <p:cNvPr id="161" name="Shape 161"/>
+          <p:cNvPr id="160" name="Shape 160"/>
           <p:cNvSpPr txBox="1"/>
           <p:nvPr>
             <p:ph idx="1" type="body"/>
@@ -10364,7 +10661,7 @@
   <p:cSld>
     <p:spTree>
       <p:nvGrpSpPr>
-        <p:cNvPr id="185" name="Shape 185"/>
+        <p:cNvPr id="184" name="Shape 184"/>
         <p:cNvGrpSpPr/>
         <p:nvPr/>
       </p:nvGrpSpPr>
@@ -10378,7 +10675,7 @@
       </p:grpSpPr>
       <p:sp>
         <p:nvSpPr>
-          <p:cNvPr id="186" name="Shape 186"/>
+          <p:cNvPr id="185" name="Shape 185"/>
           <p:cNvSpPr txBox="1"/>
           <p:nvPr>
             <p:ph type="title"/>
@@ -10410,7 +10707,7 @@
             </a:pPr>
             <a:r>
               <a:rPr lang="en"/>
-              <a:t>UC 2 - Member Card Issue</a:t>
+              <a:t>Actors</a:t>
             </a:r>
             <a:endParaRPr/>
           </a:p>
@@ -10418,7 +10715,7 @@
       </p:sp>
       <p:sp>
         <p:nvSpPr>
-          <p:cNvPr id="187" name="Shape 187"/>
+          <p:cNvPr id="186" name="Shape 186"/>
           <p:cNvSpPr txBox="1"/>
           <p:nvPr>
             <p:ph idx="1" type="body"/>
@@ -10439,38 +10736,55 @@
           </a:bodyPr>
           <a:lstStyle/>
           <a:p>
-            <a:pPr indent="-330200" lvl="0" marL="457200" rtl="0">
-              <a:spcBef>
-                <a:spcPts val="0"/>
-              </a:spcBef>
-              <a:spcAft>
-                <a:spcPts val="0"/>
-              </a:spcAft>
-              <a:buSzPts val="1600"/>
+            <a:pPr indent="-381000" lvl="0" marL="457200" rtl="0">
+              <a:spcBef>
+                <a:spcPts val="0"/>
+              </a:spcBef>
+              <a:spcAft>
+                <a:spcPts val="0"/>
+              </a:spcAft>
+              <a:buSzPts val="2400"/>
               <a:buChar char="●"/>
             </a:pPr>
             <a:r>
-              <a:rPr lang="en" sz="1600"/>
-              <a:t>If a gym member has issues with paying for their membership, they can go to the receptionist to resolve the issue.</a:t>
+              <a:rPr lang="en" sz="2400"/>
+              <a:t>Gym Member</a:t>
             </a:r>
-            <a:endParaRPr sz="1600"/>
+            <a:endParaRPr sz="2400"/>
           </a:p>
           <a:p>
-            <a:pPr indent="-330200" lvl="0" marL="457200">
-              <a:spcBef>
-                <a:spcPts val="0"/>
-              </a:spcBef>
-              <a:spcAft>
-                <a:spcPts val="0"/>
-              </a:spcAft>
-              <a:buSzPts val="1600"/>
+            <a:pPr indent="-381000" lvl="0" marL="457200" rtl="0">
+              <a:spcBef>
+                <a:spcPts val="0"/>
+              </a:spcBef>
+              <a:spcAft>
+                <a:spcPts val="0"/>
+              </a:spcAft>
+              <a:buSzPts val="2400"/>
               <a:buChar char="●"/>
             </a:pPr>
             <a:r>
-              <a:rPr lang="en" sz="1600"/>
-              <a:t>The major part of the process is to pay for the membership. The gym member can pay using credit card or debit card. The user must provide a valid credit or debit card with a valid security code or PIN.</a:t>
+              <a:rPr lang="en" sz="2400"/>
+              <a:t>Personal Trainer</a:t>
             </a:r>
-            <a:endParaRPr sz="1600"/>
+            <a:endParaRPr sz="2400"/>
+          </a:p>
+          <a:p>
+            <a:pPr indent="-381000" lvl="0" marL="457200">
+              <a:spcBef>
+                <a:spcPts val="0"/>
+              </a:spcBef>
+              <a:spcAft>
+                <a:spcPts val="0"/>
+              </a:spcAft>
+              <a:buSzPts val="2400"/>
+              <a:buChar char="●"/>
+            </a:pPr>
+            <a:r>
+              <a:rPr lang="en" sz="2400"/>
+              <a:t>Receptionist</a:t>
+            </a:r>
+            <a:endParaRPr sz="2400"/>
           </a:p>
         </p:txBody>
       </p:sp>
@@ -10487,7 +10801,7 @@
   <p:cSld>
     <p:spTree>
       <p:nvGrpSpPr>
-        <p:cNvPr id="191" name="Shape 191"/>
+        <p:cNvPr id="190" name="Shape 190"/>
         <p:cNvGrpSpPr/>
         <p:nvPr/>
       </p:nvGrpSpPr>
@@ -10501,7 +10815,7 @@
       </p:grpSpPr>
       <p:sp>
         <p:nvSpPr>
-          <p:cNvPr id="192" name="Shape 192"/>
+          <p:cNvPr id="191" name="Shape 191"/>
           <p:cNvSpPr txBox="1"/>
           <p:nvPr>
             <p:ph type="title"/>
@@ -10533,7 +10847,7 @@
             </a:pPr>
             <a:r>
               <a:rPr lang="en"/>
-              <a:t>UC 3 - Check In/Out</a:t>
+              <a:t>UC 1 - Online Interaction </a:t>
             </a:r>
             <a:endParaRPr/>
           </a:p>
@@ -10541,7 +10855,7 @@
       </p:sp>
       <p:sp>
         <p:nvSpPr>
-          <p:cNvPr id="193" name="Shape 193"/>
+          <p:cNvPr id="192" name="Shape 192"/>
           <p:cNvSpPr txBox="1"/>
           <p:nvPr>
             <p:ph idx="1" type="body"/>
@@ -10562,7 +10876,7 @@
           </a:bodyPr>
           <a:lstStyle/>
           <a:p>
-            <a:pPr indent="-330200" lvl="0" marL="457200" rtl="0">
+            <a:pPr indent="-330200" lvl="0" marL="457200">
               <a:spcBef>
                 <a:spcPts val="0"/>
               </a:spcBef>
@@ -10574,41 +10888,7 @@
             </a:pPr>
             <a:r>
               <a:rPr lang="en" sz="1600"/>
-              <a:t>This process is used to allow gym members access to the gym. The gym member brings his membership card to the receptionist. If the gym member does not have his/her card, refer to member card issue process. </a:t>
-            </a:r>
-            <a:endParaRPr sz="1600"/>
-          </a:p>
-          <a:p>
-            <a:pPr indent="-330200" lvl="0" marL="457200" rtl="0">
-              <a:spcBef>
-                <a:spcPts val="0"/>
-              </a:spcBef>
-              <a:spcAft>
-                <a:spcPts val="0"/>
-              </a:spcAft>
-              <a:buSzPts val="1600"/>
-              <a:buChar char="●"/>
-            </a:pPr>
-            <a:r>
-              <a:rPr lang="en" sz="1600"/>
-              <a:t>The receptionist scans the member card. The member card is validated by the systems. If the card and account are valid, the gym member is granted access to the gym. If not, the gym member is denied access to the gym.</a:t>
-            </a:r>
-            <a:endParaRPr sz="1600"/>
-          </a:p>
-          <a:p>
-            <a:pPr indent="-330200" lvl="0" marL="457200" rtl="0">
-              <a:spcBef>
-                <a:spcPts val="0"/>
-              </a:spcBef>
-              <a:spcAft>
-                <a:spcPts val="0"/>
-              </a:spcAft>
-              <a:buSzPts val="1600"/>
-              <a:buChar char="●"/>
-            </a:pPr>
-            <a:r>
-              <a:rPr lang="en" sz="1600"/>
-              <a:t>This process can also be used by personal trainers for fitness classes.</a:t>
+              <a:t>The gym member can log into their online profile for the gym. The gym member can then sign up for fitness classes. The gym member can also book an appointment with a personal trainer. </a:t>
             </a:r>
             <a:endParaRPr sz="1600"/>
           </a:p>
@@ -10627,7 +10907,7 @@
   <p:cSld>
     <p:spTree>
       <p:nvGrpSpPr>
-        <p:cNvPr id="197" name="Shape 197"/>
+        <p:cNvPr id="196" name="Shape 196"/>
         <p:cNvGrpSpPr/>
         <p:nvPr/>
       </p:nvGrpSpPr>
@@ -10641,7 +10921,7 @@
       </p:grpSpPr>
       <p:sp>
         <p:nvSpPr>
-          <p:cNvPr id="198" name="Shape 198"/>
+          <p:cNvPr id="197" name="Shape 197"/>
           <p:cNvSpPr txBox="1"/>
           <p:nvPr>
             <p:ph type="title"/>
@@ -10649,15 +10929,15 @@
         </p:nvSpPr>
         <p:spPr>
           <a:xfrm>
-            <a:off x="823850" y="2053000"/>
-            <a:ext cx="4587000" cy="1148700"/>
+            <a:off x="1297500" y="393750"/>
+            <a:ext cx="7038900" cy="914100"/>
           </a:xfrm>
           <a:prstGeom prst="rect">
             <a:avLst/>
           </a:prstGeom>
         </p:spPr>
         <p:txBody>
-          <a:bodyPr anchorCtr="0" anchor="ctr" bIns="91425" lIns="91425" spcFirstLastPara="1" rIns="91425" wrap="square" tIns="91425">
+          <a:bodyPr anchorCtr="0" anchor="t" bIns="91425" lIns="91425" spcFirstLastPara="1" rIns="91425" wrap="square" tIns="91425">
             <a:noAutofit/>
           </a:bodyPr>
           <a:lstStyle/>
@@ -10673,12 +10953,40 @@
             </a:pPr>
             <a:r>
               <a:rPr lang="en"/>
-              <a:t>Use Case Diagrams</a:t>
+              <a:t>Online Interaction</a:t>
             </a:r>
             <a:endParaRPr/>
           </a:p>
         </p:txBody>
       </p:sp>
+      <p:pic>
+        <p:nvPicPr>
+          <p:cNvPr id="198" name="Shape 198"/>
+          <p:cNvPicPr preferRelativeResize="0"/>
+          <p:nvPr/>
+        </p:nvPicPr>
+        <p:blipFill>
+          <a:blip r:embed="rId3">
+            <a:alphaModFix/>
+          </a:blip>
+          <a:stretch>
+            <a:fillRect/>
+          </a:stretch>
+        </p:blipFill>
+        <p:spPr>
+          <a:xfrm>
+            <a:off x="1395400" y="2131750"/>
+            <a:ext cx="5715000" cy="1676400"/>
+          </a:xfrm>
+          <a:prstGeom prst="rect">
+            <a:avLst/>
+          </a:prstGeom>
+          <a:noFill/>
+          <a:ln>
+            <a:noFill/>
+          </a:ln>
+        </p:spPr>
+      </p:pic>
     </p:spTree>
   </p:cSld>
   <p:clrMapOvr>
@@ -10738,40 +11046,70 @@
             </a:pPr>
             <a:r>
               <a:rPr lang="en"/>
-              <a:t>UC Diagram 1 - Online Interaction</a:t>
+              <a:t>UC 2 - Member Card Issue</a:t>
             </a:r>
             <a:endParaRPr/>
           </a:p>
         </p:txBody>
       </p:sp>
-      <p:pic>
-        <p:nvPicPr>
+      <p:sp>
+        <p:nvSpPr>
           <p:cNvPr id="204" name="Shape 204"/>
-          <p:cNvPicPr preferRelativeResize="0"/>
-          <p:nvPr/>
-        </p:nvPicPr>
-        <p:blipFill>
-          <a:blip r:embed="rId3">
-            <a:alphaModFix/>
-          </a:blip>
-          <a:stretch>
-            <a:fillRect/>
-          </a:stretch>
-        </p:blipFill>
+          <p:cNvSpPr txBox="1"/>
+          <p:nvPr>
+            <p:ph idx="1" type="body"/>
+          </p:nvPr>
+        </p:nvSpPr>
         <p:spPr>
           <a:xfrm>
-            <a:off x="1895450" y="1307850"/>
-            <a:ext cx="4569334" cy="3530849"/>
+            <a:off x="1297500" y="1567550"/>
+            <a:ext cx="7038900" cy="2911200"/>
           </a:xfrm>
           <a:prstGeom prst="rect">
             <a:avLst/>
           </a:prstGeom>
-          <a:noFill/>
-          <a:ln>
-            <a:noFill/>
-          </a:ln>
         </p:spPr>
-      </p:pic>
+        <p:txBody>
+          <a:bodyPr anchorCtr="0" anchor="t" bIns="91425" lIns="91425" spcFirstLastPara="1" rIns="91425" wrap="square" tIns="91425">
+            <a:noAutofit/>
+          </a:bodyPr>
+          <a:lstStyle/>
+          <a:p>
+            <a:pPr indent="-330200" lvl="0" marL="457200" rtl="0">
+              <a:spcBef>
+                <a:spcPts val="0"/>
+              </a:spcBef>
+              <a:spcAft>
+                <a:spcPts val="0"/>
+              </a:spcAft>
+              <a:buSzPts val="1600"/>
+              <a:buChar char="●"/>
+            </a:pPr>
+            <a:r>
+              <a:rPr lang="en" sz="1600"/>
+              <a:t>If a gym member has issues with paying for their membership, they can go to the receptionist to resolve the issue.</a:t>
+            </a:r>
+            <a:endParaRPr sz="1600"/>
+          </a:p>
+          <a:p>
+            <a:pPr indent="-330200" lvl="0" marL="457200">
+              <a:spcBef>
+                <a:spcPts val="0"/>
+              </a:spcBef>
+              <a:spcAft>
+                <a:spcPts val="0"/>
+              </a:spcAft>
+              <a:buSzPts val="1600"/>
+              <a:buChar char="●"/>
+            </a:pPr>
+            <a:r>
+              <a:rPr lang="en" sz="1600"/>
+              <a:t>The major part of the process is to pay for the membership. The gym member can pay using credit card or debit card. The user must provide a valid credit or debit card with a valid security code or PIN.</a:t>
+            </a:r>
+            <a:endParaRPr sz="1600"/>
+          </a:p>
+        </p:txBody>
+      </p:sp>
     </p:spTree>
   </p:cSld>
   <p:clrMapOvr>
@@ -10831,6 +11169,304 @@
             </a:pPr>
             <a:r>
               <a:rPr lang="en"/>
+              <a:t>UC 3 - Check In/Out</a:t>
+            </a:r>
+            <a:endParaRPr/>
+          </a:p>
+        </p:txBody>
+      </p:sp>
+      <p:sp>
+        <p:nvSpPr>
+          <p:cNvPr id="210" name="Shape 210"/>
+          <p:cNvSpPr txBox="1"/>
+          <p:nvPr>
+            <p:ph idx="1" type="body"/>
+          </p:nvPr>
+        </p:nvSpPr>
+        <p:spPr>
+          <a:xfrm>
+            <a:off x="1297500" y="1567550"/>
+            <a:ext cx="7038900" cy="2911200"/>
+          </a:xfrm>
+          <a:prstGeom prst="rect">
+            <a:avLst/>
+          </a:prstGeom>
+        </p:spPr>
+        <p:txBody>
+          <a:bodyPr anchorCtr="0" anchor="t" bIns="91425" lIns="91425" spcFirstLastPara="1" rIns="91425" wrap="square" tIns="91425">
+            <a:noAutofit/>
+          </a:bodyPr>
+          <a:lstStyle/>
+          <a:p>
+            <a:pPr indent="-330200" lvl="0" marL="457200" rtl="0">
+              <a:spcBef>
+                <a:spcPts val="0"/>
+              </a:spcBef>
+              <a:spcAft>
+                <a:spcPts val="0"/>
+              </a:spcAft>
+              <a:buSzPts val="1600"/>
+              <a:buChar char="●"/>
+            </a:pPr>
+            <a:r>
+              <a:rPr lang="en" sz="1600"/>
+              <a:t>This process is used to allow gym members access to the gym. The gym member brings his membership card to the receptionist. If the gym member does not have his/her card, refer to member card issue process. </a:t>
+            </a:r>
+            <a:endParaRPr sz="1600"/>
+          </a:p>
+          <a:p>
+            <a:pPr indent="-330200" lvl="0" marL="457200" rtl="0">
+              <a:spcBef>
+                <a:spcPts val="0"/>
+              </a:spcBef>
+              <a:spcAft>
+                <a:spcPts val="0"/>
+              </a:spcAft>
+              <a:buSzPts val="1600"/>
+              <a:buChar char="●"/>
+            </a:pPr>
+            <a:r>
+              <a:rPr lang="en" sz="1600"/>
+              <a:t>The receptionist scans the member card. The member card is validated by the systems. If the card and account are valid, the gym member is granted access to the gym. If not, the gym member is denied access to the gym.</a:t>
+            </a:r>
+            <a:endParaRPr sz="1600"/>
+          </a:p>
+          <a:p>
+            <a:pPr indent="-330200" lvl="0" marL="457200" rtl="0">
+              <a:spcBef>
+                <a:spcPts val="0"/>
+              </a:spcBef>
+              <a:spcAft>
+                <a:spcPts val="0"/>
+              </a:spcAft>
+              <a:buSzPts val="1600"/>
+              <a:buChar char="●"/>
+            </a:pPr>
+            <a:r>
+              <a:rPr lang="en" sz="1600"/>
+              <a:t>This process can also be used by personal trainers for fitness classes.</a:t>
+            </a:r>
+            <a:endParaRPr sz="1600"/>
+          </a:p>
+        </p:txBody>
+      </p:sp>
+    </p:spTree>
+  </p:cSld>
+  <p:clrMapOvr>
+    <a:masterClrMapping/>
+  </p:clrMapOvr>
+</p:sld>
+</file>
+
+<file path=ppt/slides/slide15.xml><?xml version="1.0" encoding="utf-8"?>
+<p:sld xmlns:a="http://schemas.openxmlformats.org/drawingml/2006/main" xmlns:r="http://schemas.openxmlformats.org/officeDocument/2006/relationships" xmlns:mc="http://schemas.openxmlformats.org/markup-compatibility/2006" xmlns:mv="urn:schemas-microsoft-com:mac:vml" xmlns:p="http://schemas.openxmlformats.org/presentationml/2006/main" xmlns:c="http://schemas.openxmlformats.org/drawingml/2006/chart" xmlns:dgm="http://schemas.openxmlformats.org/drawingml/2006/diagram" xmlns:o="urn:schemas-microsoft-com:office:office" xmlns:v="urn:schemas-microsoft-com:vml" xmlns:pvml="urn:schemas-microsoft-com:office:powerpoint" xmlns:com="http://schemas.openxmlformats.org/drawingml/2006/compatibility" xmlns:p14="http://schemas.microsoft.com/office/powerpoint/2010/main" xmlns:p15="http://schemas.microsoft.com/office/powerpoint/2012/main">
+  <p:cSld>
+    <p:spTree>
+      <p:nvGrpSpPr>
+        <p:cNvPr id="214" name="Shape 214"/>
+        <p:cNvGrpSpPr/>
+        <p:nvPr/>
+      </p:nvGrpSpPr>
+      <p:grpSpPr>
+        <a:xfrm>
+          <a:off x="0" y="0"/>
+          <a:ext cx="0" cy="0"/>
+          <a:chOff x="0" y="0"/>
+          <a:chExt cx="0" cy="0"/>
+        </a:xfrm>
+      </p:grpSpPr>
+      <p:sp>
+        <p:nvSpPr>
+          <p:cNvPr id="215" name="Shape 215"/>
+          <p:cNvSpPr txBox="1"/>
+          <p:nvPr>
+            <p:ph type="title"/>
+          </p:nvPr>
+        </p:nvSpPr>
+        <p:spPr>
+          <a:xfrm>
+            <a:off x="823850" y="2053000"/>
+            <a:ext cx="4587000" cy="1148700"/>
+          </a:xfrm>
+          <a:prstGeom prst="rect">
+            <a:avLst/>
+          </a:prstGeom>
+        </p:spPr>
+        <p:txBody>
+          <a:bodyPr anchorCtr="0" anchor="ctr" bIns="91425" lIns="91425" spcFirstLastPara="1" rIns="91425" wrap="square" tIns="91425">
+            <a:noAutofit/>
+          </a:bodyPr>
+          <a:lstStyle/>
+          <a:p>
+            <a:pPr indent="0" lvl="0" marL="0">
+              <a:spcBef>
+                <a:spcPts val="0"/>
+              </a:spcBef>
+              <a:spcAft>
+                <a:spcPts val="0"/>
+              </a:spcAft>
+              <a:buNone/>
+            </a:pPr>
+            <a:r>
+              <a:rPr lang="en"/>
+              <a:t>Use Case Diagrams</a:t>
+            </a:r>
+            <a:endParaRPr/>
+          </a:p>
+        </p:txBody>
+      </p:sp>
+    </p:spTree>
+  </p:cSld>
+  <p:clrMapOvr>
+    <a:masterClrMapping/>
+  </p:clrMapOvr>
+</p:sld>
+</file>
+
+<file path=ppt/slides/slide16.xml><?xml version="1.0" encoding="utf-8"?>
+<p:sld xmlns:a="http://schemas.openxmlformats.org/drawingml/2006/main" xmlns:r="http://schemas.openxmlformats.org/officeDocument/2006/relationships" xmlns:mc="http://schemas.openxmlformats.org/markup-compatibility/2006" xmlns:mv="urn:schemas-microsoft-com:mac:vml" xmlns:p="http://schemas.openxmlformats.org/presentationml/2006/main" xmlns:c="http://schemas.openxmlformats.org/drawingml/2006/chart" xmlns:dgm="http://schemas.openxmlformats.org/drawingml/2006/diagram" xmlns:o="urn:schemas-microsoft-com:office:office" xmlns:v="urn:schemas-microsoft-com:vml" xmlns:pvml="urn:schemas-microsoft-com:office:powerpoint" xmlns:com="http://schemas.openxmlformats.org/drawingml/2006/compatibility" xmlns:p14="http://schemas.microsoft.com/office/powerpoint/2010/main" xmlns:p15="http://schemas.microsoft.com/office/powerpoint/2012/main">
+  <p:cSld>
+    <p:spTree>
+      <p:nvGrpSpPr>
+        <p:cNvPr id="219" name="Shape 219"/>
+        <p:cNvGrpSpPr/>
+        <p:nvPr/>
+      </p:nvGrpSpPr>
+      <p:grpSpPr>
+        <a:xfrm>
+          <a:off x="0" y="0"/>
+          <a:ext cx="0" cy="0"/>
+          <a:chOff x="0" y="0"/>
+          <a:chExt cx="0" cy="0"/>
+        </a:xfrm>
+      </p:grpSpPr>
+      <p:sp>
+        <p:nvSpPr>
+          <p:cNvPr id="220" name="Shape 220"/>
+          <p:cNvSpPr txBox="1"/>
+          <p:nvPr>
+            <p:ph type="title"/>
+          </p:nvPr>
+        </p:nvSpPr>
+        <p:spPr>
+          <a:xfrm>
+            <a:off x="1297500" y="393750"/>
+            <a:ext cx="7038900" cy="914100"/>
+          </a:xfrm>
+          <a:prstGeom prst="rect">
+            <a:avLst/>
+          </a:prstGeom>
+        </p:spPr>
+        <p:txBody>
+          <a:bodyPr anchorCtr="0" anchor="t" bIns="91425" lIns="91425" spcFirstLastPara="1" rIns="91425" wrap="square" tIns="91425">
+            <a:noAutofit/>
+          </a:bodyPr>
+          <a:lstStyle/>
+          <a:p>
+            <a:pPr indent="0" lvl="0" marL="0">
+              <a:spcBef>
+                <a:spcPts val="0"/>
+              </a:spcBef>
+              <a:spcAft>
+                <a:spcPts val="0"/>
+              </a:spcAft>
+              <a:buNone/>
+            </a:pPr>
+            <a:r>
+              <a:rPr lang="en"/>
+              <a:t>UC Diagram 1 - Online Interaction</a:t>
+            </a:r>
+            <a:endParaRPr/>
+          </a:p>
+        </p:txBody>
+      </p:sp>
+      <p:pic>
+        <p:nvPicPr>
+          <p:cNvPr id="221" name="Shape 221"/>
+          <p:cNvPicPr preferRelativeResize="0"/>
+          <p:nvPr/>
+        </p:nvPicPr>
+        <p:blipFill>
+          <a:blip r:embed="rId3">
+            <a:alphaModFix/>
+          </a:blip>
+          <a:stretch>
+            <a:fillRect/>
+          </a:stretch>
+        </p:blipFill>
+        <p:spPr>
+          <a:xfrm>
+            <a:off x="1895450" y="1307850"/>
+            <a:ext cx="4569334" cy="3530849"/>
+          </a:xfrm>
+          <a:prstGeom prst="rect">
+            <a:avLst/>
+          </a:prstGeom>
+          <a:noFill/>
+          <a:ln>
+            <a:noFill/>
+          </a:ln>
+        </p:spPr>
+      </p:pic>
+    </p:spTree>
+  </p:cSld>
+  <p:clrMapOvr>
+    <a:masterClrMapping/>
+  </p:clrMapOvr>
+</p:sld>
+</file>
+
+<file path=ppt/slides/slide17.xml><?xml version="1.0" encoding="utf-8"?>
+<p:sld xmlns:a="http://schemas.openxmlformats.org/drawingml/2006/main" xmlns:r="http://schemas.openxmlformats.org/officeDocument/2006/relationships" xmlns:mc="http://schemas.openxmlformats.org/markup-compatibility/2006" xmlns:mv="urn:schemas-microsoft-com:mac:vml" xmlns:p="http://schemas.openxmlformats.org/presentationml/2006/main" xmlns:c="http://schemas.openxmlformats.org/drawingml/2006/chart" xmlns:dgm="http://schemas.openxmlformats.org/drawingml/2006/diagram" xmlns:o="urn:schemas-microsoft-com:office:office" xmlns:v="urn:schemas-microsoft-com:vml" xmlns:pvml="urn:schemas-microsoft-com:office:powerpoint" xmlns:com="http://schemas.openxmlformats.org/drawingml/2006/compatibility" xmlns:p14="http://schemas.microsoft.com/office/powerpoint/2010/main" xmlns:p15="http://schemas.microsoft.com/office/powerpoint/2012/main">
+  <p:cSld>
+    <p:spTree>
+      <p:nvGrpSpPr>
+        <p:cNvPr id="225" name="Shape 225"/>
+        <p:cNvGrpSpPr/>
+        <p:nvPr/>
+      </p:nvGrpSpPr>
+      <p:grpSpPr>
+        <a:xfrm>
+          <a:off x="0" y="0"/>
+          <a:ext cx="0" cy="0"/>
+          <a:chOff x="0" y="0"/>
+          <a:chExt cx="0" cy="0"/>
+        </a:xfrm>
+      </p:grpSpPr>
+      <p:sp>
+        <p:nvSpPr>
+          <p:cNvPr id="226" name="Shape 226"/>
+          <p:cNvSpPr txBox="1"/>
+          <p:nvPr>
+            <p:ph type="title"/>
+          </p:nvPr>
+        </p:nvSpPr>
+        <p:spPr>
+          <a:xfrm>
+            <a:off x="1297500" y="393750"/>
+            <a:ext cx="7038900" cy="914100"/>
+          </a:xfrm>
+          <a:prstGeom prst="rect">
+            <a:avLst/>
+          </a:prstGeom>
+        </p:spPr>
+        <p:txBody>
+          <a:bodyPr anchorCtr="0" anchor="t" bIns="91425" lIns="91425" spcFirstLastPara="1" rIns="91425" wrap="square" tIns="91425">
+            <a:noAutofit/>
+          </a:bodyPr>
+          <a:lstStyle/>
+          <a:p>
+            <a:pPr indent="0" lvl="0" marL="0">
+              <a:spcBef>
+                <a:spcPts val="0"/>
+              </a:spcBef>
+              <a:spcAft>
+                <a:spcPts val="0"/>
+              </a:spcAft>
+              <a:buNone/>
+            </a:pPr>
+            <a:r>
+              <a:rPr lang="en"/>
               <a:t>UC Diagram 2 - Member Check in</a:t>
             </a:r>
             <a:endParaRPr/>
@@ -10839,7 +11475,7 @@
       </p:sp>
       <p:pic>
         <p:nvPicPr>
-          <p:cNvPr id="210" name="Shape 210"/>
+          <p:cNvPr id="227" name="Shape 227"/>
           <p:cNvPicPr preferRelativeResize="0"/>
           <p:nvPr/>
         </p:nvPicPr>
@@ -10923,20 +11559,10 @@
               <a:buNone/>
             </a:pPr>
             <a:r>
-              <a:rPr lang="en" sz="3000">
-                <a:latin typeface="Bree Serif"/>
-                <a:ea typeface="Bree Serif"/>
-                <a:cs typeface="Bree Serif"/>
-                <a:sym typeface="Bree Serif"/>
-              </a:rPr>
-              <a:t>Interviews</a:t>
+              <a:rPr lang="en"/>
+              <a:t>Requirements</a:t>
             </a:r>
-            <a:endParaRPr sz="3000">
-              <a:latin typeface="Bree Serif"/>
-              <a:ea typeface="Bree Serif"/>
-              <a:cs typeface="Bree Serif"/>
-              <a:sym typeface="Bree Serif"/>
-            </a:endParaRPr>
+            <a:endParaRPr/>
           </a:p>
         </p:txBody>
       </p:sp>
@@ -10976,7 +11602,7 @@
         <p:spPr>
           <a:xfrm>
             <a:off x="1297500" y="393750"/>
-            <a:ext cx="7038900" cy="471600"/>
+            <a:ext cx="7038900" cy="914100"/>
           </a:xfrm>
           <a:prstGeom prst="rect">
             <a:avLst/>
@@ -10999,7 +11625,7 @@
             </a:pPr>
             <a:r>
               <a:rPr lang="en"/>
-              <a:t>Interview 1: Marketing Specialist </a:t>
+              <a:t>Functional Requirements:</a:t>
             </a:r>
             <a:endParaRPr/>
           </a:p>
@@ -11015,12 +11641,15 @@
         </p:nvSpPr>
         <p:spPr>
           <a:xfrm>
-            <a:off x="1297500" y="901450"/>
-            <a:ext cx="7038900" cy="4084200"/>
+            <a:off x="1297500" y="1567550"/>
+            <a:ext cx="7038900" cy="3429900"/>
           </a:xfrm>
           <a:prstGeom prst="rect">
             <a:avLst/>
           </a:prstGeom>
+          <a:solidFill>
+            <a:schemeClr val="dk1"/>
+          </a:solidFill>
         </p:spPr>
         <p:txBody>
           <a:bodyPr anchorCtr="0" anchor="t" bIns="91425" lIns="91425" spcFirstLastPara="1" rIns="91425" wrap="square" tIns="91425">
@@ -11028,7 +11657,7 @@
           </a:bodyPr>
           <a:lstStyle/>
           <a:p>
-            <a:pPr indent="0" lvl="0" marL="0">
+            <a:pPr indent="0" lvl="0" marL="0" rtl="0">
               <a:spcBef>
                 <a:spcPts val="0"/>
               </a:spcBef>
@@ -11038,386 +11667,109 @@
               <a:buNone/>
             </a:pPr>
             <a:r>
-              <a:rPr lang="en" sz="1100">
-                <a:latin typeface="Arial"/>
-                <a:ea typeface="Arial"/>
-                <a:cs typeface="Arial"/>
-                <a:sym typeface="Arial"/>
-              </a:rPr>
-              <a:t>The age range of customers is wide for this gym and it’s hard to know who comes when. The marketing director has a website for the gym but it’s very basic and doesn’t allow much interaction for the customers. Marketing is not very efficient with the budget they have but could be improved to attract more clients.</a:t>
-            </a:r>
-            <a:endParaRPr sz="1100">
-              <a:latin typeface="Arial"/>
-              <a:ea typeface="Arial"/>
-              <a:cs typeface="Arial"/>
-              <a:sym typeface="Arial"/>
-            </a:endParaRPr>
-          </a:p>
-          <a:p>
-            <a:pPr indent="0" lvl="0" marL="0" rtl="0">
-              <a:spcBef>
-                <a:spcPts val="1600"/>
-              </a:spcBef>
-              <a:spcAft>
-                <a:spcPts val="0"/>
-              </a:spcAft>
-              <a:buNone/>
-            </a:pPr>
-            <a:r>
-              <a:rPr lang="en" sz="1100">
-                <a:latin typeface="Arial"/>
-                <a:ea typeface="Arial"/>
-                <a:cs typeface="Arial"/>
-                <a:sym typeface="Arial"/>
-              </a:rPr>
-              <a:t>Q: Are you interested in knowing the age ranges of people who are trying to join?</a:t>
-            </a:r>
-            <a:endParaRPr sz="1100">
-              <a:latin typeface="Arial"/>
-              <a:ea typeface="Arial"/>
-              <a:cs typeface="Arial"/>
-              <a:sym typeface="Arial"/>
-            </a:endParaRPr>
-          </a:p>
-          <a:p>
-            <a:pPr indent="0" lvl="0" marL="0" rtl="0">
-              <a:spcBef>
-                <a:spcPts val="0"/>
-              </a:spcBef>
-              <a:spcAft>
-                <a:spcPts val="0"/>
-              </a:spcAft>
-              <a:buNone/>
-            </a:pPr>
-            <a:r>
-              <a:rPr lang="en" sz="1100">
-                <a:latin typeface="Arial"/>
-                <a:ea typeface="Arial"/>
-                <a:cs typeface="Arial"/>
-                <a:sym typeface="Arial"/>
-              </a:rPr>
-              <a:t>A: Yes! It would help us to improve our equipment and focus group.</a:t>
-            </a:r>
-            <a:endParaRPr sz="1100">
-              <a:latin typeface="Arial"/>
-              <a:ea typeface="Arial"/>
-              <a:cs typeface="Arial"/>
-              <a:sym typeface="Arial"/>
-            </a:endParaRPr>
-          </a:p>
-          <a:p>
-            <a:pPr indent="0" lvl="0" marL="0" rtl="0">
-              <a:spcBef>
-                <a:spcPts val="0"/>
-              </a:spcBef>
-              <a:spcAft>
-                <a:spcPts val="0"/>
-              </a:spcAft>
-              <a:buNone/>
-            </a:pPr>
-            <a:r>
-              <a:t/>
-            </a:r>
-            <a:endParaRPr sz="1100">
-              <a:latin typeface="Arial"/>
-              <a:ea typeface="Arial"/>
-              <a:cs typeface="Arial"/>
-              <a:sym typeface="Arial"/>
-            </a:endParaRPr>
-          </a:p>
-          <a:p>
-            <a:pPr indent="0" lvl="0" marL="0" rtl="0">
-              <a:spcBef>
-                <a:spcPts val="0"/>
-              </a:spcBef>
-              <a:spcAft>
-                <a:spcPts val="0"/>
-              </a:spcAft>
-              <a:buNone/>
-            </a:pPr>
-            <a:r>
-              <a:rPr lang="en" sz="1100">
-                <a:latin typeface="Arial"/>
-                <a:ea typeface="Arial"/>
-                <a:cs typeface="Arial"/>
-                <a:sym typeface="Arial"/>
-              </a:rPr>
-              <a:t>Q: How often are people paying?</a:t>
-            </a:r>
-            <a:endParaRPr sz="1100">
-              <a:latin typeface="Arial"/>
-              <a:ea typeface="Arial"/>
-              <a:cs typeface="Arial"/>
-              <a:sym typeface="Arial"/>
-            </a:endParaRPr>
-          </a:p>
-          <a:p>
-            <a:pPr indent="0" lvl="0" marL="0" rtl="0">
-              <a:spcBef>
-                <a:spcPts val="0"/>
-              </a:spcBef>
-              <a:spcAft>
-                <a:spcPts val="0"/>
-              </a:spcAft>
-              <a:buNone/>
-            </a:pPr>
-            <a:r>
-              <a:rPr lang="en" sz="1100">
-                <a:latin typeface="Arial"/>
-                <a:ea typeface="Arial"/>
-                <a:cs typeface="Arial"/>
-                <a:sym typeface="Arial"/>
-              </a:rPr>
-              <a:t>A: Monthly, or a yearly subscription.</a:t>
-            </a:r>
-            <a:endParaRPr sz="1100">
-              <a:latin typeface="Arial"/>
-              <a:ea typeface="Arial"/>
-              <a:cs typeface="Arial"/>
-              <a:sym typeface="Arial"/>
-            </a:endParaRPr>
-          </a:p>
-          <a:p>
-            <a:pPr indent="0" lvl="0" marL="0" rtl="0">
-              <a:spcBef>
-                <a:spcPts val="0"/>
-              </a:spcBef>
-              <a:spcAft>
-                <a:spcPts val="0"/>
-              </a:spcAft>
-              <a:buNone/>
-            </a:pPr>
-            <a:r>
-              <a:t/>
-            </a:r>
-            <a:endParaRPr sz="1100">
-              <a:latin typeface="Arial"/>
-              <a:ea typeface="Arial"/>
-              <a:cs typeface="Arial"/>
-              <a:sym typeface="Arial"/>
-            </a:endParaRPr>
-          </a:p>
-          <a:p>
-            <a:pPr indent="0" lvl="0" marL="0" rtl="0">
-              <a:spcBef>
-                <a:spcPts val="0"/>
-              </a:spcBef>
-              <a:spcAft>
-                <a:spcPts val="0"/>
-              </a:spcAft>
-              <a:buNone/>
-            </a:pPr>
-            <a:r>
-              <a:rPr lang="en" sz="1100">
-                <a:latin typeface="Arial"/>
-                <a:ea typeface="Arial"/>
-                <a:cs typeface="Arial"/>
-                <a:sym typeface="Arial"/>
-              </a:rPr>
-              <a:t>Q: Is your website attractive to potential new customers?</a:t>
-            </a:r>
-            <a:endParaRPr sz="1100">
-              <a:latin typeface="Arial"/>
-              <a:ea typeface="Arial"/>
-              <a:cs typeface="Arial"/>
-              <a:sym typeface="Arial"/>
-            </a:endParaRPr>
-          </a:p>
-          <a:p>
-            <a:pPr indent="0" lvl="0" marL="0" rtl="0">
-              <a:spcBef>
-                <a:spcPts val="0"/>
-              </a:spcBef>
-              <a:spcAft>
-                <a:spcPts val="0"/>
-              </a:spcAft>
-              <a:buNone/>
-            </a:pPr>
-            <a:r>
-              <a:rPr lang="en" sz="1100">
-                <a:latin typeface="Arial"/>
-                <a:ea typeface="Arial"/>
-                <a:cs typeface="Arial"/>
-                <a:sym typeface="Arial"/>
-              </a:rPr>
-              <a:t>A: I believe it is, however, there needs to be more interactive features such as logins and clickables etc. Also, I do not want our prices on the site, the interactive features and member benefits section is enough and they can click a button for scheduling a visit.</a:t>
-            </a:r>
-            <a:endParaRPr sz="1100">
-              <a:latin typeface="Arial"/>
-              <a:ea typeface="Arial"/>
-              <a:cs typeface="Arial"/>
-              <a:sym typeface="Arial"/>
-            </a:endParaRPr>
-          </a:p>
-          <a:p>
-            <a:pPr indent="0" lvl="0" marL="0" rtl="0">
-              <a:spcBef>
-                <a:spcPts val="0"/>
-              </a:spcBef>
-              <a:spcAft>
-                <a:spcPts val="0"/>
-              </a:spcAft>
-              <a:buNone/>
-            </a:pPr>
-            <a:r>
-              <a:t/>
-            </a:r>
-            <a:endParaRPr sz="1100">
-              <a:latin typeface="Arial"/>
-              <a:ea typeface="Arial"/>
-              <a:cs typeface="Arial"/>
-              <a:sym typeface="Arial"/>
-            </a:endParaRPr>
-          </a:p>
-          <a:p>
-            <a:pPr indent="0" lvl="0" marL="0" rtl="0">
-              <a:spcBef>
-                <a:spcPts val="0"/>
-              </a:spcBef>
-              <a:spcAft>
-                <a:spcPts val="0"/>
-              </a:spcAft>
-              <a:buNone/>
-            </a:pPr>
-            <a:r>
-              <a:rPr lang="en" sz="1100">
-                <a:latin typeface="Arial"/>
-                <a:ea typeface="Arial"/>
-                <a:cs typeface="Arial"/>
-                <a:sym typeface="Arial"/>
-              </a:rPr>
-              <a:t>Q: Do you have any particulars regarding the channel in which you market and who you market toward?</a:t>
-            </a:r>
-            <a:endParaRPr sz="1100">
-              <a:latin typeface="Arial"/>
-              <a:ea typeface="Arial"/>
-              <a:cs typeface="Arial"/>
-              <a:sym typeface="Arial"/>
-            </a:endParaRPr>
-          </a:p>
-          <a:p>
-            <a:pPr indent="0" lvl="0" marL="0" rtl="0">
-              <a:spcBef>
-                <a:spcPts val="0"/>
-              </a:spcBef>
-              <a:spcAft>
-                <a:spcPts val="0"/>
-              </a:spcAft>
-              <a:buNone/>
-            </a:pPr>
-            <a:r>
-              <a:rPr lang="en" sz="1100">
-                <a:latin typeface="Arial"/>
-                <a:ea typeface="Arial"/>
-                <a:cs typeface="Arial"/>
-                <a:sym typeface="Arial"/>
-              </a:rPr>
-              <a:t>A: Yes, as our budget is not large, we have a commercial that airs twice per month. We have the video on file and was hoping we could have add it to the more cost effective internet marketing. We are marketing to all age ranges but want to become more trend forward with the crowds between ages 18 - 40.</a:t>
-            </a:r>
-            <a:endParaRPr sz="1100">
-              <a:latin typeface="Arial"/>
-              <a:ea typeface="Arial"/>
-              <a:cs typeface="Arial"/>
-              <a:sym typeface="Arial"/>
-            </a:endParaRPr>
-          </a:p>
-          <a:p>
-            <a:pPr indent="0" lvl="0" marL="0" rtl="0">
-              <a:spcBef>
-                <a:spcPts val="0"/>
-              </a:spcBef>
-              <a:spcAft>
-                <a:spcPts val="0"/>
-              </a:spcAft>
-              <a:buNone/>
-            </a:pPr>
-            <a:r>
-              <a:t/>
-            </a:r>
-            <a:endParaRPr sz="1100">
-              <a:latin typeface="Arial"/>
-              <a:ea typeface="Arial"/>
-              <a:cs typeface="Arial"/>
-              <a:sym typeface="Arial"/>
-            </a:endParaRPr>
-          </a:p>
-          <a:p>
-            <a:pPr indent="0" lvl="0" marL="0" rtl="0">
-              <a:spcBef>
-                <a:spcPts val="0"/>
-              </a:spcBef>
-              <a:spcAft>
-                <a:spcPts val="0"/>
-              </a:spcAft>
-              <a:buNone/>
-            </a:pPr>
-            <a:r>
-              <a:t/>
-            </a:r>
-            <a:endParaRPr sz="1100">
-              <a:latin typeface="Arial"/>
-              <a:ea typeface="Arial"/>
-              <a:cs typeface="Arial"/>
-              <a:sym typeface="Arial"/>
-            </a:endParaRPr>
-          </a:p>
-          <a:p>
-            <a:pPr indent="0" lvl="0" marL="0">
-              <a:spcBef>
-                <a:spcPts val="0"/>
-              </a:spcBef>
-              <a:spcAft>
-                <a:spcPts val="0"/>
-              </a:spcAft>
-              <a:buNone/>
-            </a:pPr>
-            <a:r>
-              <a:t/>
+              <a:rPr lang="en"/>
+              <a:t>Process-oriented:</a:t>
             </a:r>
             <a:endParaRPr/>
           </a:p>
           <a:p>
-            <a:pPr indent="0" lvl="0" marL="0">
+            <a:pPr indent="-311150" lvl="0" marL="457200" rtl="0">
               <a:spcBef>
                 <a:spcPts val="1600"/>
               </a:spcBef>
               <a:spcAft>
                 <a:spcPts val="0"/>
               </a:spcAft>
-              <a:buNone/>
+              <a:buSzPts val="1300"/>
+              <a:buChar char="●"/>
             </a:pPr>
             <a:r>
-              <a:t/>
+              <a:rPr lang="en"/>
+              <a:t>The system must be able to add new users to the system. This is a Process-oriented requirement, as it is required to support a user task.</a:t>
             </a:r>
             <a:endParaRPr/>
           </a:p>
           <a:p>
-            <a:pPr indent="0" lvl="0" marL="0">
-              <a:spcBef>
-                <a:spcPts val="1600"/>
-              </a:spcBef>
-              <a:spcAft>
-                <a:spcPts val="0"/>
-              </a:spcAft>
-              <a:buNone/>
+            <a:pPr indent="-311150" lvl="0" marL="457200" rtl="0">
+              <a:spcBef>
+                <a:spcPts val="0"/>
+              </a:spcBef>
+              <a:spcAft>
+                <a:spcPts val="0"/>
+              </a:spcAft>
+              <a:buSzPts val="1300"/>
+              <a:buChar char="●"/>
             </a:pPr>
             <a:r>
-              <a:t/>
+              <a:rPr lang="en"/>
+              <a:t>The system must allow users to set  their gym schedules and appointments.</a:t>
             </a:r>
             <a:endParaRPr/>
           </a:p>
           <a:p>
-            <a:pPr indent="0" lvl="0" marL="0">
+            <a:pPr indent="0" lvl="0" marL="0" rtl="0">
               <a:spcBef>
                 <a:spcPts val="1600"/>
               </a:spcBef>
               <a:spcAft>
-                <a:spcPts val="1600"/>
+                <a:spcPts val="0"/>
               </a:spcAft>
               <a:buNone/>
             </a:pPr>
             <a:r>
-              <a:t/>
+              <a:rPr lang="en"/>
+              <a:t>Information-oriented:</a:t>
+            </a:r>
+            <a:endParaRPr/>
+          </a:p>
+          <a:p>
+            <a:pPr indent="-311150" lvl="0" marL="457200" rtl="0">
+              <a:spcBef>
+                <a:spcPts val="1600"/>
+              </a:spcBef>
+              <a:spcAft>
+                <a:spcPts val="0"/>
+              </a:spcAft>
+              <a:buSzPts val="1300"/>
+              <a:buChar char="●"/>
+            </a:pPr>
+            <a:r>
+              <a:rPr lang="en"/>
+              <a:t>The system must allow users to review their gym schedules and appointments. This is a Information-oriented requirement as the system should provide this information as the user performs a task. This is to assist the user in schedule building.</a:t>
+            </a:r>
+            <a:endParaRPr/>
+          </a:p>
+          <a:p>
+            <a:pPr indent="-311150" lvl="0" marL="457200" rtl="0">
+              <a:spcBef>
+                <a:spcPts val="0"/>
+              </a:spcBef>
+              <a:spcAft>
+                <a:spcPts val="0"/>
+              </a:spcAft>
+              <a:buSzPts val="1300"/>
+              <a:buChar char="●"/>
+            </a:pPr>
+            <a:r>
+              <a:rPr lang="en"/>
+              <a:t>The system must retain customer profiles for 2 years after lapsing membership</a:t>
+            </a:r>
+            <a:endParaRPr/>
+          </a:p>
+          <a:p>
+            <a:pPr indent="-311150" lvl="0" marL="457200" rtl="0">
+              <a:spcBef>
+                <a:spcPts val="0"/>
+              </a:spcBef>
+              <a:spcAft>
+                <a:spcPts val="0"/>
+              </a:spcAft>
+              <a:buSzPts val="1300"/>
+              <a:buChar char="●"/>
+            </a:pPr>
+            <a:r>
+              <a:rPr lang="en"/>
+              <a:t>The system must record the date and time of every check-in from each user for 3 years.</a:t>
             </a:r>
             <a:endParaRPr/>
           </a:p>
@@ -11459,7 +11811,7 @@
         <p:spPr>
           <a:xfrm>
             <a:off x="1297500" y="393750"/>
-            <a:ext cx="7038900" cy="557400"/>
+            <a:ext cx="7038900" cy="914100"/>
           </a:xfrm>
           <a:prstGeom prst="rect">
             <a:avLst/>
@@ -11482,7 +11834,7 @@
             </a:pPr>
             <a:r>
               <a:rPr lang="en"/>
-              <a:t>Interview 2: Operations Specialist</a:t>
+              <a:t>Non-functional Requirements:</a:t>
             </a:r>
             <a:endParaRPr/>
           </a:p>
@@ -11498,12 +11850,13 @@
         </p:nvSpPr>
         <p:spPr>
           <a:xfrm>
-            <a:off x="1297500" y="1154075"/>
-            <a:ext cx="7038900" cy="3219000"/>
+            <a:off x="1368950" y="1022125"/>
+            <a:ext cx="7038900" cy="3576000"/>
           </a:xfrm>
           <a:prstGeom prst="rect">
             <a:avLst/>
           </a:prstGeom>
+          <a:noFill/>
         </p:spPr>
         <p:txBody>
           <a:bodyPr anchorCtr="0" anchor="t" bIns="91425" lIns="91425" spcFirstLastPara="1" rIns="91425" wrap="square" tIns="91425">
@@ -11521,19 +11874,73 @@
               <a:buNone/>
             </a:pPr>
             <a:r>
-              <a:rPr lang="en" sz="1100">
-                <a:latin typeface="Arial"/>
-                <a:ea typeface="Arial"/>
-                <a:cs typeface="Arial"/>
-                <a:sym typeface="Arial"/>
+              <a:rPr lang="en" sz="1400">
+                <a:solidFill>
+                  <a:srgbClr val="FFFFFF"/>
+                </a:solidFill>
               </a:rPr>
-              <a:t>Operations are very basic at the gym. They have the minimal amount of information regarding their service. Their logging information is an old school style and not very efficient at the moment, making it even more difficult to expand or grow to other locations.</a:t>
+              <a:t>Operational</a:t>
             </a:r>
-            <a:endParaRPr sz="1100">
-              <a:latin typeface="Arial"/>
-              <a:ea typeface="Arial"/>
-              <a:cs typeface="Arial"/>
-              <a:sym typeface="Arial"/>
+            <a:endParaRPr sz="1400">
+              <a:solidFill>
+                <a:srgbClr val="FFFFFF"/>
+              </a:solidFill>
+            </a:endParaRPr>
+          </a:p>
+          <a:p>
+            <a:pPr indent="-311150" lvl="0" marL="457200" rtl="0">
+              <a:spcBef>
+                <a:spcPts val="1600"/>
+              </a:spcBef>
+              <a:spcAft>
+                <a:spcPts val="0"/>
+              </a:spcAft>
+              <a:buClr>
+                <a:srgbClr val="FFFFFF"/>
+              </a:buClr>
+              <a:buSzPts val="1300"/>
+              <a:buChar char="●"/>
+            </a:pPr>
+            <a:r>
+              <a:rPr lang="en">
+                <a:solidFill>
+                  <a:srgbClr val="FFFFFF"/>
+                </a:solidFill>
+              </a:rPr>
+              <a:t>The system should be cloud-based.</a:t>
+            </a:r>
+            <a:endParaRPr>
+              <a:solidFill>
+                <a:srgbClr val="FFFFFF"/>
+              </a:solidFill>
+            </a:endParaRPr>
+          </a:p>
+          <a:p>
+            <a:pPr indent="-311150" lvl="0" marL="457200" rtl="0">
+              <a:spcBef>
+                <a:spcPts val="0"/>
+              </a:spcBef>
+              <a:spcAft>
+                <a:spcPts val="0"/>
+              </a:spcAft>
+              <a:buClr>
+                <a:srgbClr val="FFFFFF"/>
+              </a:buClr>
+              <a:buSzPts val="1300"/>
+              <a:buChar char="●"/>
+            </a:pPr>
+            <a:r>
+              <a:rPr lang="en">
+                <a:solidFill>
+                  <a:srgbClr val="FFFFFF"/>
+                </a:solidFill>
+              </a:rPr>
+              <a:t>The system’s web interface will use the Responsive Web Design approach.</a:t>
+            </a:r>
+            <a:endParaRPr>
+              <a:solidFill>
+                <a:srgbClr val="FFFFFF"/>
+              </a:solidFill>
             </a:endParaRPr>
           </a:p>
           <a:p>
@@ -11547,25 +11954,51 @@
               <a:buNone/>
             </a:pPr>
             <a:r>
-              <a:rPr lang="en" sz="1100">
-                <a:latin typeface="Arial"/>
-                <a:ea typeface="Arial"/>
-                <a:cs typeface="Arial"/>
-                <a:sym typeface="Arial"/>
+              <a:rPr lang="en" sz="1400">
+                <a:solidFill>
+                  <a:srgbClr val="FFFFFF"/>
+                </a:solidFill>
               </a:rPr>
-              <a:t>Q: Is your transaction processing system lacking in any way?</a:t>
+              <a:t>Performance</a:t>
             </a:r>
-            <a:endParaRPr sz="1100">
-              <a:latin typeface="Arial"/>
-              <a:ea typeface="Arial"/>
-              <a:cs typeface="Arial"/>
-              <a:sym typeface="Arial"/>
+            <a:endParaRPr sz="1400">
+              <a:solidFill>
+                <a:srgbClr val="FFFFFF"/>
+              </a:solidFill>
+            </a:endParaRPr>
+          </a:p>
+          <a:p>
+            <a:pPr indent="-317500" lvl="0" marL="457200" rtl="0">
+              <a:spcBef>
+                <a:spcPts val="1600"/>
+              </a:spcBef>
+              <a:spcAft>
+                <a:spcPts val="0"/>
+              </a:spcAft>
+              <a:buClr>
+                <a:srgbClr val="FFFFFF"/>
+              </a:buClr>
+              <a:buSzPts val="1400"/>
+              <a:buChar char="●"/>
+            </a:pPr>
+            <a:r>
+              <a:rPr lang="en">
+                <a:solidFill>
+                  <a:srgbClr val="FFFFFF"/>
+                </a:solidFill>
+              </a:rPr>
+              <a:t>Any interaction between the user and the system should not exceed 20 seconds.</a:t>
+            </a:r>
+            <a:endParaRPr sz="1400">
+              <a:solidFill>
+                <a:srgbClr val="FFFFFF"/>
+              </a:solidFill>
             </a:endParaRPr>
           </a:p>
           <a:p>
             <a:pPr indent="0" lvl="0" marL="0" rtl="0">
               <a:spcBef>
-                <a:spcPts val="0"/>
+                <a:spcPts val="1600"/>
               </a:spcBef>
               <a:spcAft>
                 <a:spcPts val="0"/>
@@ -11573,276 +12006,145 @@
               <a:buNone/>
             </a:pPr>
             <a:r>
-              <a:rPr lang="en" sz="1100">
-                <a:latin typeface="Arial"/>
-                <a:ea typeface="Arial"/>
-                <a:cs typeface="Arial"/>
-                <a:sym typeface="Arial"/>
+              <a:rPr lang="en" sz="1400">
+                <a:solidFill>
+                  <a:srgbClr val="FFFFFF"/>
+                </a:solidFill>
               </a:rPr>
-              <a:t>A: It is very simple, in store cash or credit system.</a:t>
+              <a:t>Security</a:t>
             </a:r>
-            <a:endParaRPr sz="1100">
-              <a:latin typeface="Arial"/>
-              <a:ea typeface="Arial"/>
-              <a:cs typeface="Arial"/>
-              <a:sym typeface="Arial"/>
+            <a:endParaRPr sz="1400">
+              <a:solidFill>
+                <a:srgbClr val="FFFFFF"/>
+              </a:solidFill>
+            </a:endParaRPr>
+          </a:p>
+          <a:p>
+            <a:pPr indent="-317500" lvl="0" marL="457200" rtl="0">
+              <a:spcBef>
+                <a:spcPts val="1600"/>
+              </a:spcBef>
+              <a:spcAft>
+                <a:spcPts val="0"/>
+              </a:spcAft>
+              <a:buClr>
+                <a:srgbClr val="FFFFFF"/>
+              </a:buClr>
+              <a:buSzPts val="1400"/>
+              <a:buChar char="●"/>
+            </a:pPr>
+            <a:r>
+              <a:rPr lang="en" sz="1400">
+                <a:solidFill>
+                  <a:srgbClr val="FFFFFF"/>
+                </a:solidFill>
+              </a:rPr>
+              <a:t>System only admits current members </a:t>
+            </a:r>
+            <a:endParaRPr sz="1400">
+              <a:solidFill>
+                <a:srgbClr val="FFFFFF"/>
+              </a:solidFill>
+            </a:endParaRPr>
+          </a:p>
+          <a:p>
+            <a:pPr indent="-317500" lvl="0" marL="457200" rtl="0">
+              <a:spcBef>
+                <a:spcPts val="0"/>
+              </a:spcBef>
+              <a:spcAft>
+                <a:spcPts val="0"/>
+              </a:spcAft>
+              <a:buClr>
+                <a:srgbClr val="FFFFFF"/>
+              </a:buClr>
+              <a:buSzPts val="1400"/>
+              <a:buChar char="●"/>
+            </a:pPr>
+            <a:r>
+              <a:rPr lang="en" sz="1400">
+                <a:solidFill>
+                  <a:srgbClr val="FFFFFF"/>
+                </a:solidFill>
+              </a:rPr>
+              <a:t>Will utilize 128 bit A5/1 Encryption for payments</a:t>
+            </a:r>
+            <a:endParaRPr sz="1400">
+              <a:solidFill>
+                <a:srgbClr val="FFFFFF"/>
+              </a:solidFill>
             </a:endParaRPr>
           </a:p>
           <a:p>
             <a:pPr indent="0" lvl="0" marL="0" rtl="0">
               <a:spcBef>
-                <a:spcPts val="0"/>
-              </a:spcBef>
-              <a:spcAft>
-                <a:spcPts val="0"/>
+                <a:spcPts val="1600"/>
+              </a:spcBef>
+              <a:spcAft>
+                <a:spcPts val="0"/>
+              </a:spcAft>
+              <a:buNone/>
+            </a:pPr>
+            <a:r>
+              <a:rPr lang="en" sz="1400">
+                <a:solidFill>
+                  <a:srgbClr val="FFFFFF"/>
+                </a:solidFill>
+              </a:rPr>
+              <a:t>Political</a:t>
+            </a:r>
+            <a:endParaRPr sz="1400">
+              <a:solidFill>
+                <a:srgbClr val="FFFFFF"/>
+              </a:solidFill>
+            </a:endParaRPr>
+          </a:p>
+          <a:p>
+            <a:pPr indent="-317500" lvl="0" marL="457200" rtl="0">
+              <a:spcBef>
+                <a:spcPts val="1600"/>
+              </a:spcBef>
+              <a:spcAft>
+                <a:spcPts val="0"/>
+              </a:spcAft>
+              <a:buClr>
+                <a:srgbClr val="FFFFFF"/>
+              </a:buClr>
+              <a:buSzPts val="1400"/>
+              <a:buChar char="●"/>
+            </a:pPr>
+            <a:r>
+              <a:rPr lang="en" sz="1400">
+                <a:solidFill>
+                  <a:srgbClr val="FFFFFF"/>
+                </a:solidFill>
+              </a:rPr>
+              <a:t>Will adhere to all mandatory constraints imposed by Federal Regulation</a:t>
+            </a:r>
+            <a:endParaRPr sz="1400">
+              <a:solidFill>
+                <a:srgbClr val="FFFFFF"/>
+              </a:solidFill>
+            </a:endParaRPr>
+          </a:p>
+          <a:p>
+            <a:pPr indent="0" lvl="0" marL="0" rtl="0">
+              <a:spcBef>
+                <a:spcPts val="1600"/>
+              </a:spcBef>
+              <a:spcAft>
+                <a:spcPts val="1600"/>
               </a:spcAft>
               <a:buNone/>
             </a:pPr>
             <a:r>
               <a:t/>
             </a:r>
-            <a:endParaRPr sz="1100">
-              <a:latin typeface="Arial"/>
-              <a:ea typeface="Arial"/>
-              <a:cs typeface="Arial"/>
-              <a:sym typeface="Arial"/>
+            <a:endParaRPr sz="1400">
+              <a:solidFill>
+                <a:srgbClr val="FFFFFF"/>
+              </a:solidFill>
             </a:endParaRPr>
-          </a:p>
-          <a:p>
-            <a:pPr indent="0" lvl="0" marL="0" rtl="0">
-              <a:spcBef>
-                <a:spcPts val="0"/>
-              </a:spcBef>
-              <a:spcAft>
-                <a:spcPts val="0"/>
-              </a:spcAft>
-              <a:buNone/>
-            </a:pPr>
-            <a:r>
-              <a:rPr lang="en" sz="1100">
-                <a:latin typeface="Arial"/>
-                <a:ea typeface="Arial"/>
-                <a:cs typeface="Arial"/>
-                <a:sym typeface="Arial"/>
-              </a:rPr>
-              <a:t>Q: Is your website efficient with information?</a:t>
-            </a:r>
-            <a:endParaRPr sz="1100">
-              <a:latin typeface="Arial"/>
-              <a:ea typeface="Arial"/>
-              <a:cs typeface="Arial"/>
-              <a:sym typeface="Arial"/>
-            </a:endParaRPr>
-          </a:p>
-          <a:p>
-            <a:pPr indent="0" lvl="0" marL="0" rtl="0">
-              <a:spcBef>
-                <a:spcPts val="0"/>
-              </a:spcBef>
-              <a:spcAft>
-                <a:spcPts val="0"/>
-              </a:spcAft>
-              <a:buNone/>
-            </a:pPr>
-            <a:r>
-              <a:rPr lang="en" sz="1100">
-                <a:latin typeface="Arial"/>
-                <a:ea typeface="Arial"/>
-                <a:cs typeface="Arial"/>
-                <a:sym typeface="Arial"/>
-              </a:rPr>
-              <a:t>A: Our website has our location, how to get here, basic equipment list, and our rates.</a:t>
-            </a:r>
-            <a:endParaRPr sz="1100">
-              <a:latin typeface="Arial"/>
-              <a:ea typeface="Arial"/>
-              <a:cs typeface="Arial"/>
-              <a:sym typeface="Arial"/>
-            </a:endParaRPr>
-          </a:p>
-          <a:p>
-            <a:pPr indent="0" lvl="0" marL="0" rtl="0">
-              <a:spcBef>
-                <a:spcPts val="0"/>
-              </a:spcBef>
-              <a:spcAft>
-                <a:spcPts val="0"/>
-              </a:spcAft>
-              <a:buNone/>
-            </a:pPr>
-            <a:r>
-              <a:t/>
-            </a:r>
-            <a:endParaRPr sz="1100">
-              <a:latin typeface="Arial"/>
-              <a:ea typeface="Arial"/>
-              <a:cs typeface="Arial"/>
-              <a:sym typeface="Arial"/>
-            </a:endParaRPr>
-          </a:p>
-          <a:p>
-            <a:pPr indent="0" lvl="0" marL="0" rtl="0">
-              <a:spcBef>
-                <a:spcPts val="0"/>
-              </a:spcBef>
-              <a:spcAft>
-                <a:spcPts val="0"/>
-              </a:spcAft>
-              <a:buNone/>
-            </a:pPr>
-            <a:r>
-              <a:rPr lang="en" sz="1100">
-                <a:latin typeface="Arial"/>
-                <a:ea typeface="Arial"/>
-                <a:cs typeface="Arial"/>
-                <a:sym typeface="Arial"/>
-              </a:rPr>
-              <a:t>Q: Is it difficult to check if everyone entering the gym with expired memberships?</a:t>
-            </a:r>
-            <a:endParaRPr sz="1100">
-              <a:latin typeface="Arial"/>
-              <a:ea typeface="Arial"/>
-              <a:cs typeface="Arial"/>
-              <a:sym typeface="Arial"/>
-            </a:endParaRPr>
-          </a:p>
-          <a:p>
-            <a:pPr indent="0" lvl="0" marL="0" rtl="0">
-              <a:spcBef>
-                <a:spcPts val="0"/>
-              </a:spcBef>
-              <a:spcAft>
-                <a:spcPts val="0"/>
-              </a:spcAft>
-              <a:buNone/>
-            </a:pPr>
-            <a:r>
-              <a:rPr lang="en" sz="1100">
-                <a:latin typeface="Arial"/>
-                <a:ea typeface="Arial"/>
-                <a:cs typeface="Arial"/>
-                <a:sym typeface="Arial"/>
-              </a:rPr>
-              <a:t>A: It is very difficult.</a:t>
-            </a:r>
-            <a:endParaRPr sz="1100">
-              <a:latin typeface="Arial"/>
-              <a:ea typeface="Arial"/>
-              <a:cs typeface="Arial"/>
-              <a:sym typeface="Arial"/>
-            </a:endParaRPr>
-          </a:p>
-          <a:p>
-            <a:pPr indent="0" lvl="0" marL="0" rtl="0">
-              <a:spcBef>
-                <a:spcPts val="0"/>
-              </a:spcBef>
-              <a:spcAft>
-                <a:spcPts val="0"/>
-              </a:spcAft>
-              <a:buNone/>
-            </a:pPr>
-            <a:r>
-              <a:t/>
-            </a:r>
-            <a:endParaRPr sz="1100">
-              <a:latin typeface="Arial"/>
-              <a:ea typeface="Arial"/>
-              <a:cs typeface="Arial"/>
-              <a:sym typeface="Arial"/>
-            </a:endParaRPr>
-          </a:p>
-          <a:p>
-            <a:pPr indent="0" lvl="0" marL="0" rtl="0">
-              <a:spcBef>
-                <a:spcPts val="0"/>
-              </a:spcBef>
-              <a:spcAft>
-                <a:spcPts val="0"/>
-              </a:spcAft>
-              <a:buNone/>
-            </a:pPr>
-            <a:r>
-              <a:rPr lang="en" sz="1100">
-                <a:latin typeface="Arial"/>
-                <a:ea typeface="Arial"/>
-                <a:cs typeface="Arial"/>
-                <a:sym typeface="Arial"/>
-              </a:rPr>
-              <a:t>Q: Have you guys looked into the cost of expanding your gym? Another location?</a:t>
-            </a:r>
-            <a:endParaRPr sz="1100">
-              <a:latin typeface="Arial"/>
-              <a:ea typeface="Arial"/>
-              <a:cs typeface="Arial"/>
-              <a:sym typeface="Arial"/>
-            </a:endParaRPr>
-          </a:p>
-          <a:p>
-            <a:pPr indent="0" lvl="0" marL="0" rtl="0">
-              <a:spcBef>
-                <a:spcPts val="0"/>
-              </a:spcBef>
-              <a:spcAft>
-                <a:spcPts val="0"/>
-              </a:spcAft>
-              <a:buNone/>
-            </a:pPr>
-            <a:r>
-              <a:rPr lang="en" sz="1100">
-                <a:latin typeface="Arial"/>
-                <a:ea typeface="Arial"/>
-                <a:cs typeface="Arial"/>
-                <a:sym typeface="Arial"/>
-              </a:rPr>
-              <a:t>A: The cost and time for opening another gym isn’t too bad right now but the main issue we would face is being able to transfer data from one gym to the other. It’s doable but way too time consuming.</a:t>
-            </a:r>
-            <a:endParaRPr/>
-          </a:p>
-          <a:p>
-            <a:pPr indent="0" lvl="0" marL="0">
-              <a:spcBef>
-                <a:spcPts val="0"/>
-              </a:spcBef>
-              <a:spcAft>
-                <a:spcPts val="0"/>
-              </a:spcAft>
-              <a:buNone/>
-            </a:pPr>
-            <a:r>
-              <a:t/>
-            </a:r>
-            <a:endParaRPr/>
-          </a:p>
-          <a:p>
-            <a:pPr indent="0" lvl="0" marL="0">
-              <a:spcBef>
-                <a:spcPts val="1600"/>
-              </a:spcBef>
-              <a:spcAft>
-                <a:spcPts val="0"/>
-              </a:spcAft>
-              <a:buNone/>
-            </a:pPr>
-            <a:r>
-              <a:t/>
-            </a:r>
-            <a:endParaRPr/>
-          </a:p>
-          <a:p>
-            <a:pPr indent="0" lvl="0" marL="0">
-              <a:spcBef>
-                <a:spcPts val="1600"/>
-              </a:spcBef>
-              <a:spcAft>
-                <a:spcPts val="1600"/>
-              </a:spcAft>
-              <a:buNone/>
-            </a:pPr>
-            <a:r>
-              <a:t/>
-            </a:r>
-            <a:endParaRPr/>
           </a:p>
         </p:txBody>
       </p:sp>
@@ -11881,15 +12183,15 @@
         </p:nvSpPr>
         <p:spPr>
           <a:xfrm>
-            <a:off x="1297500" y="393750"/>
-            <a:ext cx="7038900" cy="914100"/>
+            <a:off x="823850" y="2053000"/>
+            <a:ext cx="4587000" cy="1148700"/>
           </a:xfrm>
           <a:prstGeom prst="rect">
             <a:avLst/>
           </a:prstGeom>
         </p:spPr>
         <p:txBody>
-          <a:bodyPr anchorCtr="0" anchor="t" bIns="91425" lIns="91425" spcFirstLastPara="1" rIns="91425" wrap="square" tIns="91425">
+          <a:bodyPr anchorCtr="0" anchor="ctr" bIns="91425" lIns="91425" spcFirstLastPara="1" rIns="91425" wrap="square" tIns="91425">
             <a:noAutofit/>
           </a:bodyPr>
           <a:lstStyle/>
@@ -11904,451 +12206,20 @@
               <a:buNone/>
             </a:pPr>
             <a:r>
-              <a:rPr lang="en"/>
-              <a:t>Interview 5: Gym Member</a:t>
+              <a:rPr lang="en" sz="3000">
+                <a:latin typeface="Bree Serif"/>
+                <a:ea typeface="Bree Serif"/>
+                <a:cs typeface="Bree Serif"/>
+                <a:sym typeface="Bree Serif"/>
+              </a:rPr>
+              <a:t>Interviews</a:t>
             </a:r>
-            <a:endParaRPr/>
-          </a:p>
-        </p:txBody>
-      </p:sp>
-      <p:sp>
-        <p:nvSpPr>
-          <p:cNvPr id="158" name="Shape 158"/>
-          <p:cNvSpPr txBox="1"/>
-          <p:nvPr>
-            <p:ph idx="1" type="body"/>
-          </p:nvPr>
-        </p:nvSpPr>
-        <p:spPr>
-          <a:xfrm>
-            <a:off x="1249425" y="1018175"/>
-            <a:ext cx="7038900" cy="3768300"/>
-          </a:xfrm>
-          <a:prstGeom prst="rect">
-            <a:avLst/>
-          </a:prstGeom>
-        </p:spPr>
-        <p:txBody>
-          <a:bodyPr anchorCtr="0" anchor="t" bIns="91425" lIns="91425" spcFirstLastPara="1" rIns="91425" wrap="square" tIns="91425">
-            <a:noAutofit/>
-          </a:bodyPr>
-          <a:lstStyle/>
-          <a:p>
-            <a:pPr indent="0" lvl="0" marL="0">
-              <a:spcBef>
-                <a:spcPts val="0"/>
-              </a:spcBef>
-              <a:spcAft>
-                <a:spcPts val="0"/>
-              </a:spcAft>
-              <a:buNone/>
-            </a:pPr>
-            <a:r>
-              <a:rPr lang="en" sz="1100">
-                <a:latin typeface="Arial"/>
-                <a:ea typeface="Arial"/>
-                <a:cs typeface="Arial"/>
-                <a:sym typeface="Arial"/>
-              </a:rPr>
-              <a:t>Gym members are unable to have a consistent schedule at the gym. A solution for this could be online access to the gyms availability. The system they have at the gym makes it tedious to clock in and out.</a:t>
-            </a:r>
-            <a:endParaRPr sz="1100">
-              <a:latin typeface="Arial"/>
-              <a:ea typeface="Arial"/>
-              <a:cs typeface="Arial"/>
-              <a:sym typeface="Arial"/>
+            <a:endParaRPr sz="3000">
+              <a:latin typeface="Bree Serif"/>
+              <a:ea typeface="Bree Serif"/>
+              <a:cs typeface="Bree Serif"/>
+              <a:sym typeface="Bree Serif"/>
             </a:endParaRPr>
-          </a:p>
-          <a:p>
-            <a:pPr indent="0" lvl="0" marL="0" rtl="0">
-              <a:spcBef>
-                <a:spcPts val="1600"/>
-              </a:spcBef>
-              <a:spcAft>
-                <a:spcPts val="0"/>
-              </a:spcAft>
-              <a:buNone/>
-            </a:pPr>
-            <a:r>
-              <a:rPr lang="en" sz="1100">
-                <a:latin typeface="Arial"/>
-                <a:ea typeface="Arial"/>
-                <a:cs typeface="Arial"/>
-                <a:sym typeface="Arial"/>
-              </a:rPr>
-              <a:t>Q: How long have you been attending this gym?</a:t>
-            </a:r>
-            <a:endParaRPr sz="1100">
-              <a:latin typeface="Arial"/>
-              <a:ea typeface="Arial"/>
-              <a:cs typeface="Arial"/>
-              <a:sym typeface="Arial"/>
-            </a:endParaRPr>
-          </a:p>
-          <a:p>
-            <a:pPr indent="0" lvl="0" marL="0" rtl="0">
-              <a:spcBef>
-                <a:spcPts val="0"/>
-              </a:spcBef>
-              <a:spcAft>
-                <a:spcPts val="0"/>
-              </a:spcAft>
-              <a:buNone/>
-            </a:pPr>
-            <a:r>
-              <a:rPr lang="en" sz="1100">
-                <a:latin typeface="Arial"/>
-                <a:ea typeface="Arial"/>
-                <a:cs typeface="Arial"/>
-                <a:sym typeface="Arial"/>
-              </a:rPr>
-              <a:t>A: A couple months</a:t>
-            </a:r>
-            <a:endParaRPr sz="1100">
-              <a:latin typeface="Arial"/>
-              <a:ea typeface="Arial"/>
-              <a:cs typeface="Arial"/>
-              <a:sym typeface="Arial"/>
-            </a:endParaRPr>
-          </a:p>
-          <a:p>
-            <a:pPr indent="0" lvl="0" marL="0" rtl="0">
-              <a:spcBef>
-                <a:spcPts val="0"/>
-              </a:spcBef>
-              <a:spcAft>
-                <a:spcPts val="0"/>
-              </a:spcAft>
-              <a:buNone/>
-            </a:pPr>
-            <a:r>
-              <a:t/>
-            </a:r>
-            <a:endParaRPr sz="1100">
-              <a:latin typeface="Arial"/>
-              <a:ea typeface="Arial"/>
-              <a:cs typeface="Arial"/>
-              <a:sym typeface="Arial"/>
-            </a:endParaRPr>
-          </a:p>
-          <a:p>
-            <a:pPr indent="0" lvl="0" marL="0" rtl="0">
-              <a:spcBef>
-                <a:spcPts val="0"/>
-              </a:spcBef>
-              <a:spcAft>
-                <a:spcPts val="0"/>
-              </a:spcAft>
-              <a:buNone/>
-            </a:pPr>
-            <a:r>
-              <a:rPr lang="en" sz="1100">
-                <a:latin typeface="Arial"/>
-                <a:ea typeface="Arial"/>
-                <a:cs typeface="Arial"/>
-                <a:sym typeface="Arial"/>
-              </a:rPr>
-              <a:t>Q: How would you describe your experience with the log-in system?</a:t>
-            </a:r>
-            <a:endParaRPr sz="1100">
-              <a:latin typeface="Arial"/>
-              <a:ea typeface="Arial"/>
-              <a:cs typeface="Arial"/>
-              <a:sym typeface="Arial"/>
-            </a:endParaRPr>
-          </a:p>
-          <a:p>
-            <a:pPr indent="0" lvl="0" marL="0" rtl="0">
-              <a:spcBef>
-                <a:spcPts val="0"/>
-              </a:spcBef>
-              <a:spcAft>
-                <a:spcPts val="0"/>
-              </a:spcAft>
-              <a:buNone/>
-            </a:pPr>
-            <a:r>
-              <a:rPr lang="en" sz="1100">
-                <a:latin typeface="Arial"/>
-                <a:ea typeface="Arial"/>
-                <a:cs typeface="Arial"/>
-                <a:sym typeface="Arial"/>
-              </a:rPr>
-              <a:t>A: It’s been alright, It’s kind of annoying to see people sneak in all the time when I bring my card all the time though.</a:t>
-            </a:r>
-            <a:endParaRPr sz="1100">
-              <a:latin typeface="Arial"/>
-              <a:ea typeface="Arial"/>
-              <a:cs typeface="Arial"/>
-              <a:sym typeface="Arial"/>
-            </a:endParaRPr>
-          </a:p>
-          <a:p>
-            <a:pPr indent="0" lvl="0" marL="0" rtl="0">
-              <a:spcBef>
-                <a:spcPts val="0"/>
-              </a:spcBef>
-              <a:spcAft>
-                <a:spcPts val="0"/>
-              </a:spcAft>
-              <a:buNone/>
-            </a:pPr>
-            <a:r>
-              <a:t/>
-            </a:r>
-            <a:endParaRPr sz="1100">
-              <a:latin typeface="Arial"/>
-              <a:ea typeface="Arial"/>
-              <a:cs typeface="Arial"/>
-              <a:sym typeface="Arial"/>
-            </a:endParaRPr>
-          </a:p>
-          <a:p>
-            <a:pPr indent="0" lvl="0" marL="0" rtl="0">
-              <a:spcBef>
-                <a:spcPts val="0"/>
-              </a:spcBef>
-              <a:spcAft>
-                <a:spcPts val="0"/>
-              </a:spcAft>
-              <a:buNone/>
-            </a:pPr>
-            <a:r>
-              <a:rPr lang="en" sz="1100">
-                <a:latin typeface="Arial"/>
-                <a:ea typeface="Arial"/>
-                <a:cs typeface="Arial"/>
-                <a:sym typeface="Arial"/>
-              </a:rPr>
-              <a:t>Q: We are currently in the process of planning to revamp our system. How do you feel about an easier login and logout system?</a:t>
-            </a:r>
-            <a:endParaRPr sz="1100">
-              <a:latin typeface="Arial"/>
-              <a:ea typeface="Arial"/>
-              <a:cs typeface="Arial"/>
-              <a:sym typeface="Arial"/>
-            </a:endParaRPr>
-          </a:p>
-          <a:p>
-            <a:pPr indent="0" lvl="0" marL="0" rtl="0">
-              <a:spcBef>
-                <a:spcPts val="0"/>
-              </a:spcBef>
-              <a:spcAft>
-                <a:spcPts val="0"/>
-              </a:spcAft>
-              <a:buNone/>
-            </a:pPr>
-            <a:r>
-              <a:rPr lang="en" sz="1100">
-                <a:latin typeface="Arial"/>
-                <a:ea typeface="Arial"/>
-                <a:cs typeface="Arial"/>
-                <a:sym typeface="Arial"/>
-              </a:rPr>
-              <a:t>A: Of course, that would be much easier and less time-consuming!</a:t>
-            </a:r>
-            <a:endParaRPr sz="1100">
-              <a:latin typeface="Arial"/>
-              <a:ea typeface="Arial"/>
-              <a:cs typeface="Arial"/>
-              <a:sym typeface="Arial"/>
-            </a:endParaRPr>
-          </a:p>
-          <a:p>
-            <a:pPr indent="0" lvl="0" marL="0" rtl="0">
-              <a:spcBef>
-                <a:spcPts val="0"/>
-              </a:spcBef>
-              <a:spcAft>
-                <a:spcPts val="0"/>
-              </a:spcAft>
-              <a:buNone/>
-            </a:pPr>
-            <a:r>
-              <a:t/>
-            </a:r>
-            <a:endParaRPr sz="1100">
-              <a:latin typeface="Arial"/>
-              <a:ea typeface="Arial"/>
-              <a:cs typeface="Arial"/>
-              <a:sym typeface="Arial"/>
-            </a:endParaRPr>
-          </a:p>
-          <a:p>
-            <a:pPr indent="0" lvl="0" marL="0" rtl="0">
-              <a:spcBef>
-                <a:spcPts val="0"/>
-              </a:spcBef>
-              <a:spcAft>
-                <a:spcPts val="0"/>
-              </a:spcAft>
-              <a:buNone/>
-            </a:pPr>
-            <a:r>
-              <a:rPr lang="en" sz="1100">
-                <a:latin typeface="Arial"/>
-                <a:ea typeface="Arial"/>
-                <a:cs typeface="Arial"/>
-                <a:sym typeface="Arial"/>
-              </a:rPr>
-              <a:t>Q: How would you describe your gym schedule here?</a:t>
-            </a:r>
-            <a:br>
-              <a:rPr lang="en" sz="1100">
-                <a:latin typeface="Arial"/>
-                <a:ea typeface="Arial"/>
-                <a:cs typeface="Arial"/>
-                <a:sym typeface="Arial"/>
-              </a:rPr>
-            </a:br>
-            <a:r>
-              <a:rPr lang="en" sz="1100">
-                <a:latin typeface="Arial"/>
-                <a:ea typeface="Arial"/>
-                <a:cs typeface="Arial"/>
-                <a:sym typeface="Arial"/>
-              </a:rPr>
-              <a:t>A: Well I try to come every day, but sometimes it’s very busy and I don’t get as good of a workout.</a:t>
-            </a:r>
-            <a:endParaRPr sz="1100">
-              <a:latin typeface="Arial"/>
-              <a:ea typeface="Arial"/>
-              <a:cs typeface="Arial"/>
-              <a:sym typeface="Arial"/>
-            </a:endParaRPr>
-          </a:p>
-          <a:p>
-            <a:pPr indent="0" lvl="0" marL="0" rtl="0">
-              <a:spcBef>
-                <a:spcPts val="0"/>
-              </a:spcBef>
-              <a:spcAft>
-                <a:spcPts val="0"/>
-              </a:spcAft>
-              <a:buNone/>
-            </a:pPr>
-            <a:r>
-              <a:t/>
-            </a:r>
-            <a:endParaRPr sz="1100">
-              <a:latin typeface="Arial"/>
-              <a:ea typeface="Arial"/>
-              <a:cs typeface="Arial"/>
-              <a:sym typeface="Arial"/>
-            </a:endParaRPr>
-          </a:p>
-          <a:p>
-            <a:pPr indent="0" lvl="0" marL="0" rtl="0">
-              <a:spcBef>
-                <a:spcPts val="0"/>
-              </a:spcBef>
-              <a:spcAft>
-                <a:spcPts val="0"/>
-              </a:spcAft>
-              <a:buNone/>
-            </a:pPr>
-            <a:r>
-              <a:rPr lang="en" sz="1100">
-                <a:latin typeface="Arial"/>
-                <a:ea typeface="Arial"/>
-                <a:cs typeface="Arial"/>
-                <a:sym typeface="Arial"/>
-              </a:rPr>
-              <a:t>Q: Are you usually aware when the gym is busy?</a:t>
-            </a:r>
-            <a:endParaRPr sz="1100">
-              <a:latin typeface="Arial"/>
-              <a:ea typeface="Arial"/>
-              <a:cs typeface="Arial"/>
-              <a:sym typeface="Arial"/>
-            </a:endParaRPr>
-          </a:p>
-          <a:p>
-            <a:pPr indent="0" lvl="0" marL="0" rtl="0">
-              <a:spcBef>
-                <a:spcPts val="0"/>
-              </a:spcBef>
-              <a:spcAft>
-                <a:spcPts val="0"/>
-              </a:spcAft>
-              <a:buNone/>
-            </a:pPr>
-            <a:r>
-              <a:rPr lang="en" sz="1100">
-                <a:latin typeface="Arial"/>
-                <a:ea typeface="Arial"/>
-                <a:cs typeface="Arial"/>
-                <a:sym typeface="Arial"/>
-              </a:rPr>
-              <a:t>A: It’s pretty much a gamble. I really wouldn’t know what time is best to come in.</a:t>
-            </a:r>
-            <a:endParaRPr sz="1100">
-              <a:latin typeface="Arial"/>
-              <a:ea typeface="Arial"/>
-              <a:cs typeface="Arial"/>
-              <a:sym typeface="Arial"/>
-            </a:endParaRPr>
-          </a:p>
-          <a:p>
-            <a:pPr indent="0" lvl="0" marL="0">
-              <a:spcBef>
-                <a:spcPts val="0"/>
-              </a:spcBef>
-              <a:spcAft>
-                <a:spcPts val="0"/>
-              </a:spcAft>
-              <a:buNone/>
-            </a:pPr>
-            <a:r>
-              <a:t/>
-            </a:r>
-            <a:endParaRPr/>
-          </a:p>
-          <a:p>
-            <a:pPr indent="0" lvl="0" marL="0">
-              <a:spcBef>
-                <a:spcPts val="1600"/>
-              </a:spcBef>
-              <a:spcAft>
-                <a:spcPts val="0"/>
-              </a:spcAft>
-              <a:buNone/>
-            </a:pPr>
-            <a:r>
-              <a:t/>
-            </a:r>
-            <a:endParaRPr/>
-          </a:p>
-          <a:p>
-            <a:pPr indent="0" lvl="0" marL="0">
-              <a:spcBef>
-                <a:spcPts val="1600"/>
-              </a:spcBef>
-              <a:spcAft>
-                <a:spcPts val="0"/>
-              </a:spcAft>
-              <a:buNone/>
-            </a:pPr>
-            <a:r>
-              <a:t/>
-            </a:r>
-            <a:endParaRPr/>
-          </a:p>
-          <a:p>
-            <a:pPr indent="0" lvl="0" marL="0">
-              <a:spcBef>
-                <a:spcPts val="1600"/>
-              </a:spcBef>
-              <a:spcAft>
-                <a:spcPts val="1600"/>
-              </a:spcAft>
-              <a:buNone/>
-            </a:pPr>
-            <a:r>
-              <a:t/>
-            </a:r>
-            <a:endParaRPr/>
           </a:p>
         </p:txBody>
       </p:sp>
@@ -12365,7 +12236,7 @@
   <p:cSld>
     <p:spTree>
       <p:nvGrpSpPr>
-        <p:cNvPr id="162" name="Shape 162"/>
+        <p:cNvPr id="161" name="Shape 161"/>
         <p:cNvGrpSpPr/>
         <p:nvPr/>
       </p:nvGrpSpPr>
@@ -12379,7 +12250,7 @@
       </p:grpSpPr>
       <p:sp>
         <p:nvSpPr>
-          <p:cNvPr id="163" name="Shape 163"/>
+          <p:cNvPr id="162" name="Shape 162"/>
           <p:cNvSpPr txBox="1"/>
           <p:nvPr>
             <p:ph type="title"/>
@@ -12387,15 +12258,15 @@
         </p:nvSpPr>
         <p:spPr>
           <a:xfrm>
-            <a:off x="823850" y="2053000"/>
-            <a:ext cx="4587000" cy="1148700"/>
+            <a:off x="1297500" y="393750"/>
+            <a:ext cx="7038900" cy="471600"/>
           </a:xfrm>
           <a:prstGeom prst="rect">
             <a:avLst/>
           </a:prstGeom>
         </p:spPr>
         <p:txBody>
-          <a:bodyPr anchorCtr="0" anchor="ctr" bIns="91425" lIns="91425" spcFirstLastPara="1" rIns="91425" wrap="square" tIns="91425">
+          <a:bodyPr anchorCtr="0" anchor="t" bIns="91425" lIns="91425" spcFirstLastPara="1" rIns="91425" wrap="square" tIns="91425">
             <a:noAutofit/>
           </a:bodyPr>
           <a:lstStyle/>
@@ -12411,7 +12282,425 @@
             </a:pPr>
             <a:r>
               <a:rPr lang="en"/>
-              <a:t>Use Case Documents</a:t>
+              <a:t>Rex Kwon: Marketing Specialist </a:t>
+            </a:r>
+            <a:endParaRPr/>
+          </a:p>
+        </p:txBody>
+      </p:sp>
+      <p:sp>
+        <p:nvSpPr>
+          <p:cNvPr id="163" name="Shape 163"/>
+          <p:cNvSpPr txBox="1"/>
+          <p:nvPr>
+            <p:ph idx="1" type="body"/>
+          </p:nvPr>
+        </p:nvSpPr>
+        <p:spPr>
+          <a:xfrm>
+            <a:off x="1297500" y="901450"/>
+            <a:ext cx="7038900" cy="4084200"/>
+          </a:xfrm>
+          <a:prstGeom prst="rect">
+            <a:avLst/>
+          </a:prstGeom>
+        </p:spPr>
+        <p:txBody>
+          <a:bodyPr anchorCtr="0" anchor="t" bIns="91425" lIns="91425" spcFirstLastPara="1" rIns="91425" wrap="square" tIns="91425">
+            <a:noAutofit/>
+          </a:bodyPr>
+          <a:lstStyle/>
+          <a:p>
+            <a:pPr indent="0" lvl="0" marL="0">
+              <a:spcBef>
+                <a:spcPts val="0"/>
+              </a:spcBef>
+              <a:spcAft>
+                <a:spcPts val="0"/>
+              </a:spcAft>
+              <a:buNone/>
+            </a:pPr>
+            <a:r>
+              <a:rPr lang="en" sz="1100">
+                <a:latin typeface="Arial"/>
+                <a:ea typeface="Arial"/>
+                <a:cs typeface="Arial"/>
+                <a:sym typeface="Arial"/>
+              </a:rPr>
+              <a:t>The age range of customers is wide for this gym and it’s hard to know who comes when. The marketing director has a website for the gym but it’s very basic and doesn’t allow much interaction for the customers. Marketing is not very efficient with the budget they have but could be improved to attract more clients.</a:t>
+            </a:r>
+            <a:endParaRPr sz="1100">
+              <a:latin typeface="Arial"/>
+              <a:ea typeface="Arial"/>
+              <a:cs typeface="Arial"/>
+              <a:sym typeface="Arial"/>
+            </a:endParaRPr>
+          </a:p>
+          <a:p>
+            <a:pPr indent="0" lvl="0" marL="0" rtl="0">
+              <a:spcBef>
+                <a:spcPts val="1600"/>
+              </a:spcBef>
+              <a:spcAft>
+                <a:spcPts val="0"/>
+              </a:spcAft>
+              <a:buNone/>
+            </a:pPr>
+            <a:r>
+              <a:rPr lang="en" sz="1100">
+                <a:latin typeface="Arial"/>
+                <a:ea typeface="Arial"/>
+                <a:cs typeface="Arial"/>
+                <a:sym typeface="Arial"/>
+              </a:rPr>
+              <a:t>Q: Are you interested in knowing the age ranges of people who are trying to join?</a:t>
+            </a:r>
+            <a:endParaRPr sz="1100">
+              <a:latin typeface="Arial"/>
+              <a:ea typeface="Arial"/>
+              <a:cs typeface="Arial"/>
+              <a:sym typeface="Arial"/>
+            </a:endParaRPr>
+          </a:p>
+          <a:p>
+            <a:pPr indent="0" lvl="0" marL="0" rtl="0">
+              <a:spcBef>
+                <a:spcPts val="0"/>
+              </a:spcBef>
+              <a:spcAft>
+                <a:spcPts val="0"/>
+              </a:spcAft>
+              <a:buNone/>
+            </a:pPr>
+            <a:r>
+              <a:rPr lang="en" sz="1100">
+                <a:latin typeface="Arial"/>
+                <a:ea typeface="Arial"/>
+                <a:cs typeface="Arial"/>
+                <a:sym typeface="Arial"/>
+              </a:rPr>
+              <a:t>A: Yes! It would help us to improve our equipment and focus group.</a:t>
+            </a:r>
+            <a:endParaRPr sz="1100">
+              <a:latin typeface="Arial"/>
+              <a:ea typeface="Arial"/>
+              <a:cs typeface="Arial"/>
+              <a:sym typeface="Arial"/>
+            </a:endParaRPr>
+          </a:p>
+          <a:p>
+            <a:pPr indent="0" lvl="0" marL="0" rtl="0">
+              <a:spcBef>
+                <a:spcPts val="0"/>
+              </a:spcBef>
+              <a:spcAft>
+                <a:spcPts val="0"/>
+              </a:spcAft>
+              <a:buNone/>
+            </a:pPr>
+            <a:r>
+              <a:t/>
+            </a:r>
+            <a:endParaRPr sz="1100">
+              <a:latin typeface="Arial"/>
+              <a:ea typeface="Arial"/>
+              <a:cs typeface="Arial"/>
+              <a:sym typeface="Arial"/>
+            </a:endParaRPr>
+          </a:p>
+          <a:p>
+            <a:pPr indent="0" lvl="0" marL="0" rtl="0">
+              <a:spcBef>
+                <a:spcPts val="0"/>
+              </a:spcBef>
+              <a:spcAft>
+                <a:spcPts val="0"/>
+              </a:spcAft>
+              <a:buNone/>
+            </a:pPr>
+            <a:r>
+              <a:rPr lang="en" sz="1100">
+                <a:latin typeface="Arial"/>
+                <a:ea typeface="Arial"/>
+                <a:cs typeface="Arial"/>
+                <a:sym typeface="Arial"/>
+              </a:rPr>
+              <a:t>Q: How often are people paying?</a:t>
+            </a:r>
+            <a:endParaRPr sz="1100">
+              <a:latin typeface="Arial"/>
+              <a:ea typeface="Arial"/>
+              <a:cs typeface="Arial"/>
+              <a:sym typeface="Arial"/>
+            </a:endParaRPr>
+          </a:p>
+          <a:p>
+            <a:pPr indent="0" lvl="0" marL="0" rtl="0">
+              <a:spcBef>
+                <a:spcPts val="0"/>
+              </a:spcBef>
+              <a:spcAft>
+                <a:spcPts val="0"/>
+              </a:spcAft>
+              <a:buNone/>
+            </a:pPr>
+            <a:r>
+              <a:rPr lang="en" sz="1100">
+                <a:latin typeface="Arial"/>
+                <a:ea typeface="Arial"/>
+                <a:cs typeface="Arial"/>
+                <a:sym typeface="Arial"/>
+              </a:rPr>
+              <a:t>A: Monthly, or a yearly subscription.</a:t>
+            </a:r>
+            <a:endParaRPr sz="1100">
+              <a:latin typeface="Arial"/>
+              <a:ea typeface="Arial"/>
+              <a:cs typeface="Arial"/>
+              <a:sym typeface="Arial"/>
+            </a:endParaRPr>
+          </a:p>
+          <a:p>
+            <a:pPr indent="0" lvl="0" marL="0" rtl="0">
+              <a:spcBef>
+                <a:spcPts val="0"/>
+              </a:spcBef>
+              <a:spcAft>
+                <a:spcPts val="0"/>
+              </a:spcAft>
+              <a:buNone/>
+            </a:pPr>
+            <a:r>
+              <a:t/>
+            </a:r>
+            <a:endParaRPr sz="1100">
+              <a:latin typeface="Arial"/>
+              <a:ea typeface="Arial"/>
+              <a:cs typeface="Arial"/>
+              <a:sym typeface="Arial"/>
+            </a:endParaRPr>
+          </a:p>
+          <a:p>
+            <a:pPr indent="0" lvl="0" marL="0" rtl="0">
+              <a:spcBef>
+                <a:spcPts val="0"/>
+              </a:spcBef>
+              <a:spcAft>
+                <a:spcPts val="0"/>
+              </a:spcAft>
+              <a:buNone/>
+            </a:pPr>
+            <a:r>
+              <a:rPr lang="en" sz="1100">
+                <a:latin typeface="Arial"/>
+                <a:ea typeface="Arial"/>
+                <a:cs typeface="Arial"/>
+                <a:sym typeface="Arial"/>
+              </a:rPr>
+              <a:t>Q: Is your website attractive to potential new customers?</a:t>
+            </a:r>
+            <a:endParaRPr sz="1100">
+              <a:latin typeface="Arial"/>
+              <a:ea typeface="Arial"/>
+              <a:cs typeface="Arial"/>
+              <a:sym typeface="Arial"/>
+            </a:endParaRPr>
+          </a:p>
+          <a:p>
+            <a:pPr indent="0" lvl="0" marL="0" rtl="0">
+              <a:spcBef>
+                <a:spcPts val="0"/>
+              </a:spcBef>
+              <a:spcAft>
+                <a:spcPts val="0"/>
+              </a:spcAft>
+              <a:buNone/>
+            </a:pPr>
+            <a:r>
+              <a:rPr lang="en" sz="1100">
+                <a:latin typeface="Arial"/>
+                <a:ea typeface="Arial"/>
+                <a:cs typeface="Arial"/>
+                <a:sym typeface="Arial"/>
+              </a:rPr>
+              <a:t>A: I believe it is, however, there needs to be more interactive features such as logins and clickables etc. Also, I do not want our prices on the site, the interactive features and member benefits section is enough and they can click a button for scheduling a visit.</a:t>
+            </a:r>
+            <a:endParaRPr sz="1100">
+              <a:latin typeface="Arial"/>
+              <a:ea typeface="Arial"/>
+              <a:cs typeface="Arial"/>
+              <a:sym typeface="Arial"/>
+            </a:endParaRPr>
+          </a:p>
+          <a:p>
+            <a:pPr indent="0" lvl="0" marL="0" rtl="0">
+              <a:spcBef>
+                <a:spcPts val="0"/>
+              </a:spcBef>
+              <a:spcAft>
+                <a:spcPts val="0"/>
+              </a:spcAft>
+              <a:buNone/>
+            </a:pPr>
+            <a:r>
+              <a:t/>
+            </a:r>
+            <a:endParaRPr sz="1100">
+              <a:latin typeface="Arial"/>
+              <a:ea typeface="Arial"/>
+              <a:cs typeface="Arial"/>
+              <a:sym typeface="Arial"/>
+            </a:endParaRPr>
+          </a:p>
+          <a:p>
+            <a:pPr indent="0" lvl="0" marL="0" rtl="0">
+              <a:spcBef>
+                <a:spcPts val="0"/>
+              </a:spcBef>
+              <a:spcAft>
+                <a:spcPts val="0"/>
+              </a:spcAft>
+              <a:buNone/>
+            </a:pPr>
+            <a:r>
+              <a:rPr lang="en" sz="1100">
+                <a:latin typeface="Arial"/>
+                <a:ea typeface="Arial"/>
+                <a:cs typeface="Arial"/>
+                <a:sym typeface="Arial"/>
+              </a:rPr>
+              <a:t>Q: Do you have any particulars regarding the channel in which you market and who you market toward?</a:t>
+            </a:r>
+            <a:endParaRPr sz="1100">
+              <a:latin typeface="Arial"/>
+              <a:ea typeface="Arial"/>
+              <a:cs typeface="Arial"/>
+              <a:sym typeface="Arial"/>
+            </a:endParaRPr>
+          </a:p>
+          <a:p>
+            <a:pPr indent="0" lvl="0" marL="0" rtl="0">
+              <a:spcBef>
+                <a:spcPts val="0"/>
+              </a:spcBef>
+              <a:spcAft>
+                <a:spcPts val="0"/>
+              </a:spcAft>
+              <a:buNone/>
+            </a:pPr>
+            <a:r>
+              <a:rPr lang="en" sz="1100">
+                <a:latin typeface="Arial"/>
+                <a:ea typeface="Arial"/>
+                <a:cs typeface="Arial"/>
+                <a:sym typeface="Arial"/>
+              </a:rPr>
+              <a:t>A: Yes, as our budget is not large, we have a commercial that airs twice per month. We have the video on file and was hoping we could have add it to the more cost effective internet marketing. We are marketing to all age ranges but want to become more trend forward with the crowds between ages 18 - 40.</a:t>
+            </a:r>
+            <a:endParaRPr sz="1100">
+              <a:latin typeface="Arial"/>
+              <a:ea typeface="Arial"/>
+              <a:cs typeface="Arial"/>
+              <a:sym typeface="Arial"/>
+            </a:endParaRPr>
+          </a:p>
+          <a:p>
+            <a:pPr indent="0" lvl="0" marL="0" rtl="0">
+              <a:spcBef>
+                <a:spcPts val="0"/>
+              </a:spcBef>
+              <a:spcAft>
+                <a:spcPts val="0"/>
+              </a:spcAft>
+              <a:buNone/>
+            </a:pPr>
+            <a:r>
+              <a:t/>
+            </a:r>
+            <a:endParaRPr sz="1100">
+              <a:latin typeface="Arial"/>
+              <a:ea typeface="Arial"/>
+              <a:cs typeface="Arial"/>
+              <a:sym typeface="Arial"/>
+            </a:endParaRPr>
+          </a:p>
+          <a:p>
+            <a:pPr indent="0" lvl="0" marL="0" rtl="0">
+              <a:spcBef>
+                <a:spcPts val="0"/>
+              </a:spcBef>
+              <a:spcAft>
+                <a:spcPts val="0"/>
+              </a:spcAft>
+              <a:buNone/>
+            </a:pPr>
+            <a:r>
+              <a:t/>
+            </a:r>
+            <a:endParaRPr sz="1100">
+              <a:latin typeface="Arial"/>
+              <a:ea typeface="Arial"/>
+              <a:cs typeface="Arial"/>
+              <a:sym typeface="Arial"/>
+            </a:endParaRPr>
+          </a:p>
+          <a:p>
+            <a:pPr indent="0" lvl="0" marL="0">
+              <a:spcBef>
+                <a:spcPts val="0"/>
+              </a:spcBef>
+              <a:spcAft>
+                <a:spcPts val="0"/>
+              </a:spcAft>
+              <a:buNone/>
+            </a:pPr>
+            <a:r>
+              <a:t/>
+            </a:r>
+            <a:endParaRPr/>
+          </a:p>
+          <a:p>
+            <a:pPr indent="0" lvl="0" marL="0">
+              <a:spcBef>
+                <a:spcPts val="1600"/>
+              </a:spcBef>
+              <a:spcAft>
+                <a:spcPts val="0"/>
+              </a:spcAft>
+              <a:buNone/>
+            </a:pPr>
+            <a:r>
+              <a:t/>
+            </a:r>
+            <a:endParaRPr/>
+          </a:p>
+          <a:p>
+            <a:pPr indent="0" lvl="0" marL="0">
+              <a:spcBef>
+                <a:spcPts val="1600"/>
+              </a:spcBef>
+              <a:spcAft>
+                <a:spcPts val="0"/>
+              </a:spcAft>
+              <a:buNone/>
+            </a:pPr>
+            <a:r>
+              <a:t/>
+            </a:r>
+            <a:endParaRPr/>
+          </a:p>
+          <a:p>
+            <a:pPr indent="0" lvl="0" marL="0">
+              <a:spcBef>
+                <a:spcPts val="1600"/>
+              </a:spcBef>
+              <a:spcAft>
+                <a:spcPts val="1600"/>
+              </a:spcAft>
+              <a:buNone/>
+            </a:pPr>
+            <a:r>
+              <a:t/>
             </a:r>
             <a:endParaRPr/>
           </a:p>
@@ -12453,7 +12742,7 @@
         <p:spPr>
           <a:xfrm>
             <a:off x="1297500" y="393750"/>
-            <a:ext cx="7038900" cy="914100"/>
+            <a:ext cx="7038900" cy="557400"/>
           </a:xfrm>
           <a:prstGeom prst="rect">
             <a:avLst/>
@@ -12476,7 +12765,11 @@
             </a:pPr>
             <a:r>
               <a:rPr lang="en"/>
-              <a:t>Actors</a:t>
+              <a:t>Napoleon</a:t>
+            </a:r>
+            <a:r>
+              <a:rPr lang="en"/>
+              <a:t> Bona: Operations Specialist</a:t>
             </a:r>
             <a:endParaRPr/>
           </a:p>
@@ -12492,8 +12785,8 @@
         </p:nvSpPr>
         <p:spPr>
           <a:xfrm>
-            <a:off x="1297500" y="1567550"/>
-            <a:ext cx="7038900" cy="2911200"/>
+            <a:off x="1297500" y="1154075"/>
+            <a:ext cx="7038900" cy="3219000"/>
           </a:xfrm>
           <a:prstGeom prst="rect">
             <a:avLst/>
@@ -12505,55 +12798,338 @@
           </a:bodyPr>
           <a:lstStyle/>
           <a:p>
-            <a:pPr indent="-381000" lvl="0" marL="457200" rtl="0">
-              <a:spcBef>
-                <a:spcPts val="0"/>
-              </a:spcBef>
-              <a:spcAft>
-                <a:spcPts val="0"/>
-              </a:spcAft>
-              <a:buSzPts val="2400"/>
-              <a:buChar char="●"/>
+            <a:pPr indent="0" lvl="0" marL="0" rtl="0">
+              <a:spcBef>
+                <a:spcPts val="0"/>
+              </a:spcBef>
+              <a:spcAft>
+                <a:spcPts val="0"/>
+              </a:spcAft>
+              <a:buNone/>
             </a:pPr>
             <a:r>
-              <a:rPr lang="en" sz="2400"/>
-              <a:t>Gym Member</a:t>
+              <a:rPr lang="en" sz="1100">
+                <a:latin typeface="Arial"/>
+                <a:ea typeface="Arial"/>
+                <a:cs typeface="Arial"/>
+                <a:sym typeface="Arial"/>
+              </a:rPr>
+              <a:t>Operations are very basic at the gym. They have the minimal amount of information regarding their service. Their logging information is an old school style and not very efficient at the moment, making it even more difficult to expand or grow to other locations.</a:t>
             </a:r>
-            <a:endParaRPr sz="2400"/>
+            <a:endParaRPr sz="1100">
+              <a:latin typeface="Arial"/>
+              <a:ea typeface="Arial"/>
+              <a:cs typeface="Arial"/>
+              <a:sym typeface="Arial"/>
+            </a:endParaRPr>
           </a:p>
           <a:p>
-            <a:pPr indent="-381000" lvl="0" marL="457200" rtl="0">
-              <a:spcBef>
-                <a:spcPts val="0"/>
-              </a:spcBef>
-              <a:spcAft>
-                <a:spcPts val="0"/>
-              </a:spcAft>
-              <a:buSzPts val="2400"/>
-              <a:buChar char="●"/>
+            <a:pPr indent="0" lvl="0" marL="0" rtl="0">
+              <a:spcBef>
+                <a:spcPts val="1600"/>
+              </a:spcBef>
+              <a:spcAft>
+                <a:spcPts val="0"/>
+              </a:spcAft>
+              <a:buNone/>
             </a:pPr>
             <a:r>
-              <a:rPr lang="en" sz="2400"/>
-              <a:t>Personal Trainer</a:t>
+              <a:rPr lang="en" sz="1100">
+                <a:latin typeface="Arial"/>
+                <a:ea typeface="Arial"/>
+                <a:cs typeface="Arial"/>
+                <a:sym typeface="Arial"/>
+              </a:rPr>
+              <a:t>Q: Is your transaction processing system lacking in any way?</a:t>
             </a:r>
-            <a:endParaRPr sz="2400"/>
+            <a:endParaRPr sz="1100">
+              <a:latin typeface="Arial"/>
+              <a:ea typeface="Arial"/>
+              <a:cs typeface="Arial"/>
+              <a:sym typeface="Arial"/>
+            </a:endParaRPr>
           </a:p>
           <a:p>
-            <a:pPr indent="-381000" lvl="0" marL="457200">
-              <a:spcBef>
-                <a:spcPts val="0"/>
-              </a:spcBef>
-              <a:spcAft>
-                <a:spcPts val="0"/>
-              </a:spcAft>
-              <a:buSzPts val="2400"/>
-              <a:buChar char="●"/>
+            <a:pPr indent="0" lvl="0" marL="0" rtl="0">
+              <a:spcBef>
+                <a:spcPts val="0"/>
+              </a:spcBef>
+              <a:spcAft>
+                <a:spcPts val="0"/>
+              </a:spcAft>
+              <a:buNone/>
             </a:pPr>
             <a:r>
-              <a:rPr lang="en" sz="2400"/>
-              <a:t>Receptionist</a:t>
+              <a:rPr lang="en" sz="1100">
+                <a:latin typeface="Arial"/>
+                <a:ea typeface="Arial"/>
+                <a:cs typeface="Arial"/>
+                <a:sym typeface="Arial"/>
+              </a:rPr>
+              <a:t>A: It is very simple, in store cash or credit system.</a:t>
             </a:r>
-            <a:endParaRPr sz="2400"/>
+            <a:endParaRPr sz="1100">
+              <a:latin typeface="Arial"/>
+              <a:ea typeface="Arial"/>
+              <a:cs typeface="Arial"/>
+              <a:sym typeface="Arial"/>
+            </a:endParaRPr>
+          </a:p>
+          <a:p>
+            <a:pPr indent="0" lvl="0" marL="0" rtl="0">
+              <a:spcBef>
+                <a:spcPts val="0"/>
+              </a:spcBef>
+              <a:spcAft>
+                <a:spcPts val="0"/>
+              </a:spcAft>
+              <a:buNone/>
+            </a:pPr>
+            <a:r>
+              <a:t/>
+            </a:r>
+            <a:endParaRPr sz="1100">
+              <a:latin typeface="Arial"/>
+              <a:ea typeface="Arial"/>
+              <a:cs typeface="Arial"/>
+              <a:sym typeface="Arial"/>
+            </a:endParaRPr>
+          </a:p>
+          <a:p>
+            <a:pPr indent="0" lvl="0" marL="0" rtl="0">
+              <a:spcBef>
+                <a:spcPts val="0"/>
+              </a:spcBef>
+              <a:spcAft>
+                <a:spcPts val="0"/>
+              </a:spcAft>
+              <a:buNone/>
+            </a:pPr>
+            <a:r>
+              <a:rPr lang="en" sz="1100">
+                <a:latin typeface="Arial"/>
+                <a:ea typeface="Arial"/>
+                <a:cs typeface="Arial"/>
+                <a:sym typeface="Arial"/>
+              </a:rPr>
+              <a:t>Q: Is your website efficient with information?</a:t>
+            </a:r>
+            <a:endParaRPr sz="1100">
+              <a:latin typeface="Arial"/>
+              <a:ea typeface="Arial"/>
+              <a:cs typeface="Arial"/>
+              <a:sym typeface="Arial"/>
+            </a:endParaRPr>
+          </a:p>
+          <a:p>
+            <a:pPr indent="0" lvl="0" marL="0" rtl="0">
+              <a:spcBef>
+                <a:spcPts val="0"/>
+              </a:spcBef>
+              <a:spcAft>
+                <a:spcPts val="0"/>
+              </a:spcAft>
+              <a:buNone/>
+            </a:pPr>
+            <a:r>
+              <a:rPr lang="en" sz="1100">
+                <a:latin typeface="Arial"/>
+                <a:ea typeface="Arial"/>
+                <a:cs typeface="Arial"/>
+                <a:sym typeface="Arial"/>
+              </a:rPr>
+              <a:t>A: Our website has our location, how to get here, basic equipment list, and our rates.</a:t>
+            </a:r>
+            <a:endParaRPr sz="1100">
+              <a:latin typeface="Arial"/>
+              <a:ea typeface="Arial"/>
+              <a:cs typeface="Arial"/>
+              <a:sym typeface="Arial"/>
+            </a:endParaRPr>
+          </a:p>
+          <a:p>
+            <a:pPr indent="0" lvl="0" marL="0" rtl="0">
+              <a:spcBef>
+                <a:spcPts val="0"/>
+              </a:spcBef>
+              <a:spcAft>
+                <a:spcPts val="0"/>
+              </a:spcAft>
+              <a:buNone/>
+            </a:pPr>
+            <a:r>
+              <a:t/>
+            </a:r>
+            <a:endParaRPr sz="1100">
+              <a:latin typeface="Arial"/>
+              <a:ea typeface="Arial"/>
+              <a:cs typeface="Arial"/>
+              <a:sym typeface="Arial"/>
+            </a:endParaRPr>
+          </a:p>
+          <a:p>
+            <a:pPr indent="0" lvl="0" marL="0" rtl="0">
+              <a:spcBef>
+                <a:spcPts val="0"/>
+              </a:spcBef>
+              <a:spcAft>
+                <a:spcPts val="0"/>
+              </a:spcAft>
+              <a:buNone/>
+            </a:pPr>
+            <a:r>
+              <a:rPr lang="en" sz="1100">
+                <a:latin typeface="Arial"/>
+                <a:ea typeface="Arial"/>
+                <a:cs typeface="Arial"/>
+                <a:sym typeface="Arial"/>
+              </a:rPr>
+              <a:t>Q: Is it difficult to check if everyone entering the gym with expired memberships?</a:t>
+            </a:r>
+            <a:endParaRPr sz="1100">
+              <a:latin typeface="Arial"/>
+              <a:ea typeface="Arial"/>
+              <a:cs typeface="Arial"/>
+              <a:sym typeface="Arial"/>
+            </a:endParaRPr>
+          </a:p>
+          <a:p>
+            <a:pPr indent="0" lvl="0" marL="0" rtl="0">
+              <a:spcBef>
+                <a:spcPts val="0"/>
+              </a:spcBef>
+              <a:spcAft>
+                <a:spcPts val="0"/>
+              </a:spcAft>
+              <a:buNone/>
+            </a:pPr>
+            <a:r>
+              <a:rPr lang="en" sz="1100">
+                <a:latin typeface="Arial"/>
+                <a:ea typeface="Arial"/>
+                <a:cs typeface="Arial"/>
+                <a:sym typeface="Arial"/>
+              </a:rPr>
+              <a:t>A: It is very difficult.</a:t>
+            </a:r>
+            <a:endParaRPr sz="1100">
+              <a:latin typeface="Arial"/>
+              <a:ea typeface="Arial"/>
+              <a:cs typeface="Arial"/>
+              <a:sym typeface="Arial"/>
+            </a:endParaRPr>
+          </a:p>
+          <a:p>
+            <a:pPr indent="0" lvl="0" marL="0" rtl="0">
+              <a:spcBef>
+                <a:spcPts val="0"/>
+              </a:spcBef>
+              <a:spcAft>
+                <a:spcPts val="0"/>
+              </a:spcAft>
+              <a:buNone/>
+            </a:pPr>
+            <a:r>
+              <a:t/>
+            </a:r>
+            <a:endParaRPr sz="1100">
+              <a:latin typeface="Arial"/>
+              <a:ea typeface="Arial"/>
+              <a:cs typeface="Arial"/>
+              <a:sym typeface="Arial"/>
+            </a:endParaRPr>
+          </a:p>
+          <a:p>
+            <a:pPr indent="0" lvl="0" marL="0" rtl="0">
+              <a:spcBef>
+                <a:spcPts val="0"/>
+              </a:spcBef>
+              <a:spcAft>
+                <a:spcPts val="0"/>
+              </a:spcAft>
+              <a:buNone/>
+            </a:pPr>
+            <a:r>
+              <a:rPr lang="en" sz="1100">
+                <a:latin typeface="Arial"/>
+                <a:ea typeface="Arial"/>
+                <a:cs typeface="Arial"/>
+                <a:sym typeface="Arial"/>
+              </a:rPr>
+              <a:t>Q: Have you guys looked into the cost of expanding your gym? Another location?</a:t>
+            </a:r>
+            <a:endParaRPr sz="1100">
+              <a:latin typeface="Arial"/>
+              <a:ea typeface="Arial"/>
+              <a:cs typeface="Arial"/>
+              <a:sym typeface="Arial"/>
+            </a:endParaRPr>
+          </a:p>
+          <a:p>
+            <a:pPr indent="0" lvl="0" marL="0" rtl="0">
+              <a:spcBef>
+                <a:spcPts val="0"/>
+              </a:spcBef>
+              <a:spcAft>
+                <a:spcPts val="0"/>
+              </a:spcAft>
+              <a:buNone/>
+            </a:pPr>
+            <a:r>
+              <a:rPr lang="en" sz="1100">
+                <a:latin typeface="Arial"/>
+                <a:ea typeface="Arial"/>
+                <a:cs typeface="Arial"/>
+                <a:sym typeface="Arial"/>
+              </a:rPr>
+              <a:t>A: The cost and time for opening another gym isn’t too bad right now but the main issue we would face is being able to transfer data from one gym to the other. It’s doable but way too time consuming.</a:t>
+            </a:r>
+            <a:endParaRPr/>
+          </a:p>
+          <a:p>
+            <a:pPr indent="0" lvl="0" marL="0">
+              <a:spcBef>
+                <a:spcPts val="0"/>
+              </a:spcBef>
+              <a:spcAft>
+                <a:spcPts val="0"/>
+              </a:spcAft>
+              <a:buNone/>
+            </a:pPr>
+            <a:r>
+              <a:t/>
+            </a:r>
+            <a:endParaRPr/>
+          </a:p>
+          <a:p>
+            <a:pPr indent="0" lvl="0" marL="0">
+              <a:spcBef>
+                <a:spcPts val="1600"/>
+              </a:spcBef>
+              <a:spcAft>
+                <a:spcPts val="0"/>
+              </a:spcAft>
+              <a:buNone/>
+            </a:pPr>
+            <a:r>
+              <a:t/>
+            </a:r>
+            <a:endParaRPr/>
+          </a:p>
+          <a:p>
+            <a:pPr indent="0" lvl="0" marL="0">
+              <a:spcBef>
+                <a:spcPts val="1600"/>
+              </a:spcBef>
+              <a:spcAft>
+                <a:spcPts val="1600"/>
+              </a:spcAft>
+              <a:buNone/>
+            </a:pPr>
+            <a:r>
+              <a:t/>
+            </a:r>
+            <a:endParaRPr/>
           </a:p>
         </p:txBody>
       </p:sp>
@@ -12616,7 +13192,7 @@
             </a:pPr>
             <a:r>
               <a:rPr lang="en"/>
-              <a:t>UC 1 - Online Interaction </a:t>
+              <a:t>John Smith: Gym Member</a:t>
             </a:r>
             <a:endParaRPr/>
           </a:p>
@@ -12632,8 +13208,8 @@
         </p:nvSpPr>
         <p:spPr>
           <a:xfrm>
-            <a:off x="1297500" y="1567550"/>
-            <a:ext cx="7038900" cy="2911200"/>
+            <a:off x="1249425" y="1018175"/>
+            <a:ext cx="7038900" cy="3768300"/>
           </a:xfrm>
           <a:prstGeom prst="rect">
             <a:avLst/>
@@ -12645,21 +13221,421 @@
           </a:bodyPr>
           <a:lstStyle/>
           <a:p>
-            <a:pPr indent="-330200" lvl="0" marL="457200">
-              <a:spcBef>
-                <a:spcPts val="0"/>
-              </a:spcBef>
-              <a:spcAft>
-                <a:spcPts val="0"/>
-              </a:spcAft>
-              <a:buSzPts val="1600"/>
-              <a:buChar char="●"/>
+            <a:pPr indent="0" lvl="0" marL="0">
+              <a:spcBef>
+                <a:spcPts val="0"/>
+              </a:spcBef>
+              <a:spcAft>
+                <a:spcPts val="0"/>
+              </a:spcAft>
+              <a:buNone/>
             </a:pPr>
             <a:r>
-              <a:rPr lang="en" sz="1600"/>
-              <a:t>The gym member can log into their online profile for the gym. The gym member can then sign up for fitness classes. The gym member can also book an appointment with a personal trainer. </a:t>
+              <a:rPr lang="en" sz="1100">
+                <a:latin typeface="Arial"/>
+                <a:ea typeface="Arial"/>
+                <a:cs typeface="Arial"/>
+                <a:sym typeface="Arial"/>
+              </a:rPr>
+              <a:t>Gym members are unable to have a consistent schedule at the gym. A solution for this could be online access to the gyms availability. The system they have at the gym makes it tedious to clock in and out.</a:t>
             </a:r>
-            <a:endParaRPr sz="1600"/>
+            <a:endParaRPr sz="1100">
+              <a:latin typeface="Arial"/>
+              <a:ea typeface="Arial"/>
+              <a:cs typeface="Arial"/>
+              <a:sym typeface="Arial"/>
+            </a:endParaRPr>
+          </a:p>
+          <a:p>
+            <a:pPr indent="0" lvl="0" marL="0" rtl="0">
+              <a:spcBef>
+                <a:spcPts val="1600"/>
+              </a:spcBef>
+              <a:spcAft>
+                <a:spcPts val="0"/>
+              </a:spcAft>
+              <a:buNone/>
+            </a:pPr>
+            <a:r>
+              <a:rPr lang="en" sz="1100">
+                <a:latin typeface="Arial"/>
+                <a:ea typeface="Arial"/>
+                <a:cs typeface="Arial"/>
+                <a:sym typeface="Arial"/>
+              </a:rPr>
+              <a:t>Q: How long have you been attending this gym?</a:t>
+            </a:r>
+            <a:endParaRPr sz="1100">
+              <a:latin typeface="Arial"/>
+              <a:ea typeface="Arial"/>
+              <a:cs typeface="Arial"/>
+              <a:sym typeface="Arial"/>
+            </a:endParaRPr>
+          </a:p>
+          <a:p>
+            <a:pPr indent="0" lvl="0" marL="0" rtl="0">
+              <a:spcBef>
+                <a:spcPts val="0"/>
+              </a:spcBef>
+              <a:spcAft>
+                <a:spcPts val="0"/>
+              </a:spcAft>
+              <a:buNone/>
+            </a:pPr>
+            <a:r>
+              <a:rPr lang="en" sz="1100">
+                <a:latin typeface="Arial"/>
+                <a:ea typeface="Arial"/>
+                <a:cs typeface="Arial"/>
+                <a:sym typeface="Arial"/>
+              </a:rPr>
+              <a:t>A: A couple months</a:t>
+            </a:r>
+            <a:endParaRPr sz="1100">
+              <a:latin typeface="Arial"/>
+              <a:ea typeface="Arial"/>
+              <a:cs typeface="Arial"/>
+              <a:sym typeface="Arial"/>
+            </a:endParaRPr>
+          </a:p>
+          <a:p>
+            <a:pPr indent="0" lvl="0" marL="0" rtl="0">
+              <a:spcBef>
+                <a:spcPts val="0"/>
+              </a:spcBef>
+              <a:spcAft>
+                <a:spcPts val="0"/>
+              </a:spcAft>
+              <a:buNone/>
+            </a:pPr>
+            <a:r>
+              <a:t/>
+            </a:r>
+            <a:endParaRPr sz="1100">
+              <a:latin typeface="Arial"/>
+              <a:ea typeface="Arial"/>
+              <a:cs typeface="Arial"/>
+              <a:sym typeface="Arial"/>
+            </a:endParaRPr>
+          </a:p>
+          <a:p>
+            <a:pPr indent="0" lvl="0" marL="0" rtl="0">
+              <a:spcBef>
+                <a:spcPts val="0"/>
+              </a:spcBef>
+              <a:spcAft>
+                <a:spcPts val="0"/>
+              </a:spcAft>
+              <a:buNone/>
+            </a:pPr>
+            <a:r>
+              <a:rPr lang="en" sz="1100">
+                <a:latin typeface="Arial"/>
+                <a:ea typeface="Arial"/>
+                <a:cs typeface="Arial"/>
+                <a:sym typeface="Arial"/>
+              </a:rPr>
+              <a:t>Q: How would you describe your experience with the log-in system?</a:t>
+            </a:r>
+            <a:endParaRPr sz="1100">
+              <a:latin typeface="Arial"/>
+              <a:ea typeface="Arial"/>
+              <a:cs typeface="Arial"/>
+              <a:sym typeface="Arial"/>
+            </a:endParaRPr>
+          </a:p>
+          <a:p>
+            <a:pPr indent="0" lvl="0" marL="0" rtl="0">
+              <a:spcBef>
+                <a:spcPts val="0"/>
+              </a:spcBef>
+              <a:spcAft>
+                <a:spcPts val="0"/>
+              </a:spcAft>
+              <a:buNone/>
+            </a:pPr>
+            <a:r>
+              <a:rPr lang="en" sz="1100">
+                <a:latin typeface="Arial"/>
+                <a:ea typeface="Arial"/>
+                <a:cs typeface="Arial"/>
+                <a:sym typeface="Arial"/>
+              </a:rPr>
+              <a:t>A: It’s been alright, It’s kind of annoying to see people sneak in all the time when I bring my card all the time though.</a:t>
+            </a:r>
+            <a:endParaRPr sz="1100">
+              <a:latin typeface="Arial"/>
+              <a:ea typeface="Arial"/>
+              <a:cs typeface="Arial"/>
+              <a:sym typeface="Arial"/>
+            </a:endParaRPr>
+          </a:p>
+          <a:p>
+            <a:pPr indent="0" lvl="0" marL="0" rtl="0">
+              <a:spcBef>
+                <a:spcPts val="0"/>
+              </a:spcBef>
+              <a:spcAft>
+                <a:spcPts val="0"/>
+              </a:spcAft>
+              <a:buNone/>
+            </a:pPr>
+            <a:r>
+              <a:t/>
+            </a:r>
+            <a:endParaRPr sz="1100">
+              <a:latin typeface="Arial"/>
+              <a:ea typeface="Arial"/>
+              <a:cs typeface="Arial"/>
+              <a:sym typeface="Arial"/>
+            </a:endParaRPr>
+          </a:p>
+          <a:p>
+            <a:pPr indent="0" lvl="0" marL="0" rtl="0">
+              <a:spcBef>
+                <a:spcPts val="0"/>
+              </a:spcBef>
+              <a:spcAft>
+                <a:spcPts val="0"/>
+              </a:spcAft>
+              <a:buNone/>
+            </a:pPr>
+            <a:r>
+              <a:rPr lang="en" sz="1100">
+                <a:latin typeface="Arial"/>
+                <a:ea typeface="Arial"/>
+                <a:cs typeface="Arial"/>
+                <a:sym typeface="Arial"/>
+              </a:rPr>
+              <a:t>Q: We are currently in the process of planning to revamp our system. How do you feel about an easier login and logout system?</a:t>
+            </a:r>
+            <a:endParaRPr sz="1100">
+              <a:latin typeface="Arial"/>
+              <a:ea typeface="Arial"/>
+              <a:cs typeface="Arial"/>
+              <a:sym typeface="Arial"/>
+            </a:endParaRPr>
+          </a:p>
+          <a:p>
+            <a:pPr indent="0" lvl="0" marL="0" rtl="0">
+              <a:spcBef>
+                <a:spcPts val="0"/>
+              </a:spcBef>
+              <a:spcAft>
+                <a:spcPts val="0"/>
+              </a:spcAft>
+              <a:buNone/>
+            </a:pPr>
+            <a:r>
+              <a:rPr lang="en" sz="1100">
+                <a:latin typeface="Arial"/>
+                <a:ea typeface="Arial"/>
+                <a:cs typeface="Arial"/>
+                <a:sym typeface="Arial"/>
+              </a:rPr>
+              <a:t>A: Of course, that would be much easier and less time-consuming!</a:t>
+            </a:r>
+            <a:endParaRPr sz="1100">
+              <a:latin typeface="Arial"/>
+              <a:ea typeface="Arial"/>
+              <a:cs typeface="Arial"/>
+              <a:sym typeface="Arial"/>
+            </a:endParaRPr>
+          </a:p>
+          <a:p>
+            <a:pPr indent="0" lvl="0" marL="0" rtl="0">
+              <a:spcBef>
+                <a:spcPts val="0"/>
+              </a:spcBef>
+              <a:spcAft>
+                <a:spcPts val="0"/>
+              </a:spcAft>
+              <a:buNone/>
+            </a:pPr>
+            <a:r>
+              <a:t/>
+            </a:r>
+            <a:endParaRPr sz="1100">
+              <a:latin typeface="Arial"/>
+              <a:ea typeface="Arial"/>
+              <a:cs typeface="Arial"/>
+              <a:sym typeface="Arial"/>
+            </a:endParaRPr>
+          </a:p>
+          <a:p>
+            <a:pPr indent="0" lvl="0" marL="0" rtl="0">
+              <a:spcBef>
+                <a:spcPts val="0"/>
+              </a:spcBef>
+              <a:spcAft>
+                <a:spcPts val="0"/>
+              </a:spcAft>
+              <a:buNone/>
+            </a:pPr>
+            <a:r>
+              <a:rPr lang="en" sz="1100">
+                <a:latin typeface="Arial"/>
+                <a:ea typeface="Arial"/>
+                <a:cs typeface="Arial"/>
+                <a:sym typeface="Arial"/>
+              </a:rPr>
+              <a:t>Q: How would you describe your gym schedule here?</a:t>
+            </a:r>
+            <a:br>
+              <a:rPr lang="en" sz="1100">
+                <a:latin typeface="Arial"/>
+                <a:ea typeface="Arial"/>
+                <a:cs typeface="Arial"/>
+                <a:sym typeface="Arial"/>
+              </a:rPr>
+            </a:br>
+            <a:r>
+              <a:rPr lang="en" sz="1100">
+                <a:latin typeface="Arial"/>
+                <a:ea typeface="Arial"/>
+                <a:cs typeface="Arial"/>
+                <a:sym typeface="Arial"/>
+              </a:rPr>
+              <a:t>A: Well I try to come every day, but sometimes it’s very busy and I don’t get as good of a workout.</a:t>
+            </a:r>
+            <a:endParaRPr sz="1100">
+              <a:latin typeface="Arial"/>
+              <a:ea typeface="Arial"/>
+              <a:cs typeface="Arial"/>
+              <a:sym typeface="Arial"/>
+            </a:endParaRPr>
+          </a:p>
+          <a:p>
+            <a:pPr indent="0" lvl="0" marL="0" rtl="0">
+              <a:spcBef>
+                <a:spcPts val="0"/>
+              </a:spcBef>
+              <a:spcAft>
+                <a:spcPts val="0"/>
+              </a:spcAft>
+              <a:buNone/>
+            </a:pPr>
+            <a:r>
+              <a:t/>
+            </a:r>
+            <a:endParaRPr sz="1100">
+              <a:latin typeface="Arial"/>
+              <a:ea typeface="Arial"/>
+              <a:cs typeface="Arial"/>
+              <a:sym typeface="Arial"/>
+            </a:endParaRPr>
+          </a:p>
+          <a:p>
+            <a:pPr indent="0" lvl="0" marL="0" rtl="0">
+              <a:spcBef>
+                <a:spcPts val="0"/>
+              </a:spcBef>
+              <a:spcAft>
+                <a:spcPts val="0"/>
+              </a:spcAft>
+              <a:buNone/>
+            </a:pPr>
+            <a:r>
+              <a:rPr lang="en" sz="1100">
+                <a:latin typeface="Arial"/>
+                <a:ea typeface="Arial"/>
+                <a:cs typeface="Arial"/>
+                <a:sym typeface="Arial"/>
+              </a:rPr>
+              <a:t>Q: Are you usually aware when the gym is busy?</a:t>
+            </a:r>
+            <a:endParaRPr sz="1100">
+              <a:latin typeface="Arial"/>
+              <a:ea typeface="Arial"/>
+              <a:cs typeface="Arial"/>
+              <a:sym typeface="Arial"/>
+            </a:endParaRPr>
+          </a:p>
+          <a:p>
+            <a:pPr indent="0" lvl="0" marL="0" rtl="0">
+              <a:spcBef>
+                <a:spcPts val="0"/>
+              </a:spcBef>
+              <a:spcAft>
+                <a:spcPts val="0"/>
+              </a:spcAft>
+              <a:buNone/>
+            </a:pPr>
+            <a:r>
+              <a:rPr lang="en" sz="1100">
+                <a:latin typeface="Arial"/>
+                <a:ea typeface="Arial"/>
+                <a:cs typeface="Arial"/>
+                <a:sym typeface="Arial"/>
+              </a:rPr>
+              <a:t>A: It’s pretty much a gamble. I really wouldn’t know what time is best to come in.</a:t>
+            </a:r>
+            <a:endParaRPr sz="1100">
+              <a:latin typeface="Arial"/>
+              <a:ea typeface="Arial"/>
+              <a:cs typeface="Arial"/>
+              <a:sym typeface="Arial"/>
+            </a:endParaRPr>
+          </a:p>
+          <a:p>
+            <a:pPr indent="0" lvl="0" marL="0">
+              <a:spcBef>
+                <a:spcPts val="0"/>
+              </a:spcBef>
+              <a:spcAft>
+                <a:spcPts val="0"/>
+              </a:spcAft>
+              <a:buNone/>
+            </a:pPr>
+            <a:r>
+              <a:t/>
+            </a:r>
+            <a:endParaRPr/>
+          </a:p>
+          <a:p>
+            <a:pPr indent="0" lvl="0" marL="0">
+              <a:spcBef>
+                <a:spcPts val="1600"/>
+              </a:spcBef>
+              <a:spcAft>
+                <a:spcPts val="0"/>
+              </a:spcAft>
+              <a:buNone/>
+            </a:pPr>
+            <a:r>
+              <a:t/>
+            </a:r>
+            <a:endParaRPr/>
+          </a:p>
+          <a:p>
+            <a:pPr indent="0" lvl="0" marL="0">
+              <a:spcBef>
+                <a:spcPts val="1600"/>
+              </a:spcBef>
+              <a:spcAft>
+                <a:spcPts val="0"/>
+              </a:spcAft>
+              <a:buNone/>
+            </a:pPr>
+            <a:r>
+              <a:t/>
+            </a:r>
+            <a:endParaRPr/>
+          </a:p>
+          <a:p>
+            <a:pPr indent="0" lvl="0" marL="0">
+              <a:spcBef>
+                <a:spcPts val="1600"/>
+              </a:spcBef>
+              <a:spcAft>
+                <a:spcPts val="1600"/>
+              </a:spcAft>
+              <a:buNone/>
+            </a:pPr>
+            <a:r>
+              <a:t/>
+            </a:r>
+            <a:endParaRPr/>
           </a:p>
         </p:txBody>
       </p:sp>
@@ -12698,15 +13674,15 @@
         </p:nvSpPr>
         <p:spPr>
           <a:xfrm>
-            <a:off x="1297500" y="393750"/>
-            <a:ext cx="7038900" cy="914100"/>
+            <a:off x="823850" y="2053000"/>
+            <a:ext cx="4587000" cy="1148700"/>
           </a:xfrm>
           <a:prstGeom prst="rect">
             <a:avLst/>
           </a:prstGeom>
         </p:spPr>
         <p:txBody>
-          <a:bodyPr anchorCtr="0" anchor="t" bIns="91425" lIns="91425" spcFirstLastPara="1" rIns="91425" wrap="square" tIns="91425">
+          <a:bodyPr anchorCtr="0" anchor="ctr" bIns="91425" lIns="91425" spcFirstLastPara="1" rIns="91425" wrap="square" tIns="91425">
             <a:noAutofit/>
           </a:bodyPr>
           <a:lstStyle/>
@@ -12722,40 +13698,12 @@
             </a:pPr>
             <a:r>
               <a:rPr lang="en"/>
-              <a:t>Online Interaction</a:t>
+              <a:t>Use Case Documents</a:t>
             </a:r>
             <a:endParaRPr/>
           </a:p>
         </p:txBody>
       </p:sp>
-      <p:pic>
-        <p:nvPicPr>
-          <p:cNvPr id="181" name="Shape 181"/>
-          <p:cNvPicPr preferRelativeResize="0"/>
-          <p:nvPr/>
-        </p:nvPicPr>
-        <p:blipFill>
-          <a:blip r:embed="rId3">
-            <a:alphaModFix/>
-          </a:blip>
-          <a:stretch>
-            <a:fillRect/>
-          </a:stretch>
-        </p:blipFill>
-        <p:spPr>
-          <a:xfrm>
-            <a:off x="1395400" y="2131750"/>
-            <a:ext cx="5715000" cy="1676400"/>
-          </a:xfrm>
-          <a:prstGeom prst="rect">
-            <a:avLst/>
-          </a:prstGeom>
-          <a:noFill/>
-          <a:ln>
-            <a:noFill/>
-          </a:ln>
-        </p:spPr>
-      </p:pic>
     </p:spTree>
   </p:cSld>
   <p:clrMapOvr>
